--- a/weekly_report/group3/week4.pptx
+++ b/weekly_report/group3/week4.pptx
@@ -15,6 +15,11 @@
     <p:sldId id="263" r:id="rId9"/>
     <p:sldId id="264" r:id="rId10"/>
     <p:sldId id="265" r:id="rId11"/>
+    <p:sldId id="267" r:id="rId12"/>
+    <p:sldId id="268" r:id="rId13"/>
+    <p:sldId id="266" r:id="rId14"/>
+    <p:sldId id="269" r:id="rId15"/>
+    <p:sldId id="270" r:id="rId16"/>
   </p:sldIdLst>
   <p:sldSz cx="12192000" cy="6858000"/>
   <p:notesSz cx="6858000" cy="9144000"/>
@@ -2165,8 +2170,8 @@
     <dgm:cxn modelId="{0FF529A8-56E4-4859-AD7B-946AAFD41D27}" type="presOf" srcId="{BDF85E73-A8EB-4A70-B17D-128A2C0489D4}" destId="{8910FE79-C8A6-4673-AC17-E82A107C5B80}" srcOrd="0" destOrd="2" presId="urn:microsoft.com/office/officeart/2005/8/layout/process3"/>
     <dgm:cxn modelId="{776B0168-0875-4BE6-9CB4-3A2D7C209330}" srcId="{FD5D7C33-5B40-4D2D-99C8-FDCD8145A005}" destId="{49B5A52F-98BC-44F6-AF2F-91AAD82698E5}" srcOrd="1" destOrd="0" parTransId="{2A51BE62-FD7A-4CA2-80A0-9BC4C2868D35}" sibTransId="{F8F23646-2814-4D74-8554-1548AFA2FE2A}"/>
     <dgm:cxn modelId="{B363A496-C46A-4EAD-9F7F-C3156D1616E9}" type="presOf" srcId="{99404280-CF2D-4307-8490-3FA43639810E}" destId="{63A66173-B8AE-42BE-B943-75C51D4ADF2D}" srcOrd="0" destOrd="3" presId="urn:microsoft.com/office/officeart/2005/8/layout/process3"/>
+    <dgm:cxn modelId="{E32E827B-F0B3-4894-9F54-2089CA706BEA}" type="presOf" srcId="{0C160F14-3E4B-45AF-9158-0B1FF390997D}" destId="{4F62ACB9-6EB3-46D3-88CE-775A05A10893}" srcOrd="0" destOrd="0" presId="urn:microsoft.com/office/officeart/2005/8/layout/process3"/>
     <dgm:cxn modelId="{D3E3131B-D328-4741-85B9-40128CD27EDA}" srcId="{436265AB-5390-49EF-9C63-9544117A7036}" destId="{9052052F-38A7-4201-B112-CA14C9C8815A}" srcOrd="1" destOrd="0" parTransId="{033DE8E8-09B3-49BD-8710-606E7D30ECFE}" sibTransId="{1673962B-9B2E-4750-9E62-ACDA23AE2482}"/>
-    <dgm:cxn modelId="{E32E827B-F0B3-4894-9F54-2089CA706BEA}" type="presOf" srcId="{0C160F14-3E4B-45AF-9158-0B1FF390997D}" destId="{4F62ACB9-6EB3-46D3-88CE-775A05A10893}" srcOrd="0" destOrd="0" presId="urn:microsoft.com/office/officeart/2005/8/layout/process3"/>
     <dgm:cxn modelId="{F5C08C81-AD72-4715-BED0-B26520D8E0F2}" srcId="{FD5D7C33-5B40-4D2D-99C8-FDCD8145A005}" destId="{5A0C7119-A1BD-48D1-9C85-11D77F31FD13}" srcOrd="5" destOrd="0" parTransId="{58CC2421-0972-4E54-8350-831047A979C0}" sibTransId="{4AB4685F-BC4D-4536-A688-2929EA53B112}"/>
     <dgm:cxn modelId="{6680EFAD-814C-443B-942C-2484603330A1}" type="presOf" srcId="{DFFB30B2-6DC5-4B93-87CB-AE0B143499C6}" destId="{2C46FF0A-16C6-43CC-88D4-3D3069BEDAEF}" srcOrd="0" destOrd="1" presId="urn:microsoft.com/office/officeart/2005/8/layout/process3"/>
     <dgm:cxn modelId="{8ACD4300-5B50-46E0-854E-B62509487159}" srcId="{436265AB-5390-49EF-9C63-9544117A7036}" destId="{0C160F14-3E4B-45AF-9158-0B1FF390997D}" srcOrd="2" destOrd="0" parTransId="{59011C91-C7A1-414A-938D-62A041C25E6D}" sibTransId="{C1EFF36B-D73F-433C-911B-0853FCE89D5F}"/>
@@ -8696,15 +8701,23 @@
             </a:r>
             <a:r>
               <a:rPr lang="zh-CN" altLang="en-US" sz="7200" dirty="0" smtClean="0"/>
-              <a:t>小组第</a:t>
+              <a:t>小组</a:t>
+            </a:r>
+            <a:r>
+              <a:rPr lang="zh-CN" altLang="en-US" sz="7200" dirty="0" smtClean="0"/>
+              <a:t>第</a:t>
             </a:r>
             <a:r>
               <a:rPr lang="en-US" altLang="zh-CN" sz="7200" dirty="0" smtClean="0"/>
-              <a:t>3</a:t>
+              <a:t>4</a:t>
             </a:r>
             <a:r>
               <a:rPr lang="zh-CN" altLang="en-US" sz="7200" dirty="0" smtClean="0"/>
-              <a:t>周工作汇报</a:t>
+              <a:t>周</a:t>
+            </a:r>
+            <a:r>
+              <a:rPr lang="zh-CN" altLang="en-US" sz="7200" dirty="0" smtClean="0"/>
+              <a:t>工作汇报</a:t>
             </a:r>
             <a:endParaRPr lang="zh-CN" altLang="en-US" sz="7200" dirty="0"/>
           </a:p>
@@ -8866,172 +8879,172 @@
             </a:pPr>
             <a:r>
               <a:rPr lang="zh-CN" altLang="en-US" b="1" dirty="0" smtClean="0">
-                <a:latin typeface="仿宋_GB2312" panose="02010609030101010101" pitchFamily="49" charset="-122"/>
-                <a:ea typeface="仿宋_GB2312" panose="02010609030101010101" pitchFamily="49" charset="-122"/>
+                <a:latin typeface="仿宋" panose="02010609060101010101" pitchFamily="49" charset="-122"/>
+                <a:ea typeface="仿宋" panose="02010609060101010101" pitchFamily="49" charset="-122"/>
               </a:rPr>
-              <a:t>用</a:t>
+              <a:t>使用</a:t>
             </a:r>
             <a:r>
               <a:rPr lang="en-US" altLang="zh-CN" b="1" dirty="0" smtClean="0">
-                <a:latin typeface="仿宋_GB2312" panose="02010609030101010101" pitchFamily="49" charset="-122"/>
-                <a:ea typeface="仿宋_GB2312" panose="02010609030101010101" pitchFamily="49" charset="-122"/>
+                <a:latin typeface="仿宋" panose="02010609060101010101" pitchFamily="49" charset="-122"/>
+                <a:ea typeface="仿宋" panose="02010609060101010101" pitchFamily="49" charset="-122"/>
               </a:rPr>
               <a:t>C++</a:t>
             </a:r>
             <a:r>
               <a:rPr lang="zh-CN" altLang="en-US" b="1" dirty="0" smtClean="0">
-                <a:latin typeface="仿宋_GB2312" panose="02010609030101010101" pitchFamily="49" charset="-122"/>
-                <a:ea typeface="仿宋_GB2312" panose="02010609030101010101" pitchFamily="49" charset="-122"/>
+                <a:latin typeface="仿宋" panose="02010609060101010101" pitchFamily="49" charset="-122"/>
+                <a:ea typeface="仿宋" panose="02010609060101010101" pitchFamily="49" charset="-122"/>
               </a:rPr>
               <a:t>语言编写的俄罗斯方块游戏：</a:t>
             </a:r>
             <a:endParaRPr lang="en-US" altLang="zh-CN" b="1" dirty="0">
-              <a:latin typeface="仿宋_GB2312" panose="02010609030101010101" pitchFamily="49" charset="-122"/>
-              <a:ea typeface="仿宋_GB2312" panose="02010609030101010101" pitchFamily="49" charset="-122"/>
+              <a:latin typeface="仿宋" panose="02010609060101010101" pitchFamily="49" charset="-122"/>
+              <a:ea typeface="仿宋" panose="02010609060101010101" pitchFamily="49" charset="-122"/>
             </a:endParaRPr>
           </a:p>
           <a:p>
             <a:r>
               <a:rPr lang="en-US" altLang="zh-CN" dirty="0" smtClean="0">
-                <a:latin typeface="仿宋_GB2312" panose="02010609030101010101" pitchFamily="49" charset="-122"/>
-                <a:ea typeface="仿宋_GB2312" panose="02010609030101010101" pitchFamily="49" charset="-122"/>
+                <a:latin typeface="仿宋" panose="02010609060101010101" pitchFamily="49" charset="-122"/>
+                <a:ea typeface="仿宋" panose="02010609060101010101" pitchFamily="49" charset="-122"/>
               </a:rPr>
               <a:t>1</a:t>
             </a:r>
             <a:r>
               <a:rPr lang="zh-CN" altLang="en-US" dirty="0" smtClean="0">
-                <a:latin typeface="仿宋_GB2312" panose="02010609030101010101" pitchFamily="49" charset="-122"/>
-                <a:ea typeface="仿宋_GB2312" panose="02010609030101010101" pitchFamily="49" charset="-122"/>
+                <a:latin typeface="仿宋" panose="02010609060101010101" pitchFamily="49" charset="-122"/>
+                <a:ea typeface="仿宋" panose="02010609060101010101" pitchFamily="49" charset="-122"/>
               </a:rPr>
               <a:t>、首先描述</a:t>
             </a:r>
             <a:r>
               <a:rPr lang="zh-CN" altLang="en-US" dirty="0">
-                <a:latin typeface="仿宋_GB2312" panose="02010609030101010101" pitchFamily="49" charset="-122"/>
-                <a:ea typeface="仿宋_GB2312" panose="02010609030101010101" pitchFamily="49" charset="-122"/>
+                <a:latin typeface="仿宋" panose="02010609060101010101" pitchFamily="49" charset="-122"/>
+                <a:ea typeface="仿宋" panose="02010609060101010101" pitchFamily="49" charset="-122"/>
               </a:rPr>
               <a:t>俄罗斯方块的</a:t>
             </a:r>
             <a:r>
               <a:rPr lang="zh-CN" altLang="en-US" dirty="0" smtClean="0">
-                <a:latin typeface="仿宋_GB2312" panose="02010609030101010101" pitchFamily="49" charset="-122"/>
-                <a:ea typeface="仿宋_GB2312" panose="02010609030101010101" pitchFamily="49" charset="-122"/>
+                <a:latin typeface="仿宋" panose="02010609060101010101" pitchFamily="49" charset="-122"/>
+                <a:ea typeface="仿宋" panose="02010609060101010101" pitchFamily="49" charset="-122"/>
               </a:rPr>
               <a:t>规则</a:t>
             </a:r>
             <a:r>
               <a:rPr lang="zh-CN" altLang="en-US" dirty="0">
-                <a:latin typeface="仿宋_GB2312" panose="02010609030101010101" pitchFamily="49" charset="-122"/>
-                <a:ea typeface="仿宋_GB2312" panose="02010609030101010101" pitchFamily="49" charset="-122"/>
+                <a:latin typeface="仿宋" panose="02010609060101010101" pitchFamily="49" charset="-122"/>
+                <a:ea typeface="仿宋" panose="02010609060101010101" pitchFamily="49" charset="-122"/>
               </a:rPr>
               <a:t>：</a:t>
             </a:r>
             <a:r>
               <a:rPr lang="zh-CN" altLang="en-US" dirty="0" smtClean="0">
-                <a:latin typeface="仿宋_GB2312" panose="02010609030101010101" pitchFamily="49" charset="-122"/>
-                <a:ea typeface="仿宋_GB2312" panose="02010609030101010101" pitchFamily="49" charset="-122"/>
+                <a:latin typeface="仿宋" panose="02010609060101010101" pitchFamily="49" charset="-122"/>
+                <a:ea typeface="仿宋" panose="02010609060101010101" pitchFamily="49" charset="-122"/>
               </a:rPr>
               <a:t>方块</a:t>
             </a:r>
             <a:r>
               <a:rPr lang="zh-CN" altLang="en-US" dirty="0">
-                <a:latin typeface="仿宋_GB2312" panose="02010609030101010101" pitchFamily="49" charset="-122"/>
-                <a:ea typeface="仿宋_GB2312" panose="02010609030101010101" pitchFamily="49" charset="-122"/>
+                <a:latin typeface="仿宋" panose="02010609060101010101" pitchFamily="49" charset="-122"/>
+                <a:ea typeface="仿宋" panose="02010609060101010101" pitchFamily="49" charset="-122"/>
               </a:rPr>
               <a:t>每下降一格就会询问操作方是否对方块进行操作，操作包括平移和旋转。（事实上与期望步骤有出入</a:t>
             </a:r>
             <a:r>
               <a:rPr lang="zh-CN" altLang="en-US" dirty="0" smtClean="0">
-                <a:latin typeface="仿宋_GB2312" panose="02010609030101010101" pitchFamily="49" charset="-122"/>
-                <a:ea typeface="仿宋_GB2312" panose="02010609030101010101" pitchFamily="49" charset="-122"/>
+                <a:latin typeface="仿宋" panose="02010609060101010101" pitchFamily="49" charset="-122"/>
+                <a:ea typeface="仿宋" panose="02010609060101010101" pitchFamily="49" charset="-122"/>
               </a:rPr>
               <a:t>）</a:t>
             </a:r>
             <a:endParaRPr lang="en-US" altLang="zh-CN" dirty="0" smtClean="0">
-              <a:latin typeface="仿宋_GB2312" panose="02010609030101010101" pitchFamily="49" charset="-122"/>
-              <a:ea typeface="仿宋_GB2312" panose="02010609030101010101" pitchFamily="49" charset="-122"/>
+              <a:latin typeface="仿宋" panose="02010609060101010101" pitchFamily="49" charset="-122"/>
+              <a:ea typeface="仿宋" panose="02010609060101010101" pitchFamily="49" charset="-122"/>
             </a:endParaRPr>
           </a:p>
           <a:p>
             <a:r>
               <a:rPr lang="en-US" altLang="zh-CN" dirty="0" smtClean="0">
-                <a:latin typeface="仿宋_GB2312" panose="02010609030101010101" pitchFamily="49" charset="-122"/>
-                <a:ea typeface="仿宋_GB2312" panose="02010609030101010101" pitchFamily="49" charset="-122"/>
+                <a:latin typeface="仿宋" panose="02010609060101010101" pitchFamily="49" charset="-122"/>
+                <a:ea typeface="仿宋" panose="02010609060101010101" pitchFamily="49" charset="-122"/>
               </a:rPr>
               <a:t>2</a:t>
             </a:r>
             <a:r>
               <a:rPr lang="zh-CN" altLang="en-US" dirty="0" smtClean="0">
-                <a:latin typeface="仿宋_GB2312" panose="02010609030101010101" pitchFamily="49" charset="-122"/>
-                <a:ea typeface="仿宋_GB2312" panose="02010609030101010101" pitchFamily="49" charset="-122"/>
+                <a:latin typeface="仿宋" panose="02010609060101010101" pitchFamily="49" charset="-122"/>
+                <a:ea typeface="仿宋" panose="02010609060101010101" pitchFamily="49" charset="-122"/>
               </a:rPr>
               <a:t>、程序</a:t>
             </a:r>
             <a:r>
               <a:rPr lang="zh-CN" altLang="en-US" dirty="0">
-                <a:latin typeface="仿宋_GB2312" panose="02010609030101010101" pitchFamily="49" charset="-122"/>
-                <a:ea typeface="仿宋_GB2312" panose="02010609030101010101" pitchFamily="49" charset="-122"/>
+                <a:latin typeface="仿宋" panose="02010609060101010101" pitchFamily="49" charset="-122"/>
+                <a:ea typeface="仿宋" panose="02010609060101010101" pitchFamily="49" charset="-122"/>
               </a:rPr>
               <a:t>对方块位置进行扫描，直到方块停止</a:t>
             </a:r>
             <a:r>
               <a:rPr lang="zh-CN" altLang="en-US" dirty="0" smtClean="0">
-                <a:latin typeface="仿宋_GB2312" panose="02010609030101010101" pitchFamily="49" charset="-122"/>
-                <a:ea typeface="仿宋_GB2312" panose="02010609030101010101" pitchFamily="49" charset="-122"/>
+                <a:latin typeface="仿宋" panose="02010609060101010101" pitchFamily="49" charset="-122"/>
+                <a:ea typeface="仿宋" panose="02010609060101010101" pitchFamily="49" charset="-122"/>
               </a:rPr>
               <a:t>。</a:t>
             </a:r>
             <a:endParaRPr lang="en-US" altLang="zh-CN" dirty="0" smtClean="0">
-              <a:latin typeface="仿宋_GB2312" panose="02010609030101010101" pitchFamily="49" charset="-122"/>
-              <a:ea typeface="仿宋_GB2312" panose="02010609030101010101" pitchFamily="49" charset="-122"/>
+              <a:latin typeface="仿宋" panose="02010609060101010101" pitchFamily="49" charset="-122"/>
+              <a:ea typeface="仿宋" panose="02010609060101010101" pitchFamily="49" charset="-122"/>
             </a:endParaRPr>
           </a:p>
           <a:p>
             <a:r>
               <a:rPr lang="en-US" altLang="zh-CN" dirty="0" smtClean="0">
-                <a:latin typeface="仿宋_GB2312" panose="02010609030101010101" pitchFamily="49" charset="-122"/>
-                <a:ea typeface="仿宋_GB2312" panose="02010609030101010101" pitchFamily="49" charset="-122"/>
+                <a:latin typeface="仿宋" panose="02010609060101010101" pitchFamily="49" charset="-122"/>
+                <a:ea typeface="仿宋" panose="02010609060101010101" pitchFamily="49" charset="-122"/>
               </a:rPr>
               <a:t>3</a:t>
             </a:r>
             <a:r>
               <a:rPr lang="zh-CN" altLang="en-US" dirty="0" smtClean="0">
-                <a:latin typeface="仿宋_GB2312" panose="02010609030101010101" pitchFamily="49" charset="-122"/>
-                <a:ea typeface="仿宋_GB2312" panose="02010609030101010101" pitchFamily="49" charset="-122"/>
+                <a:latin typeface="仿宋" panose="02010609060101010101" pitchFamily="49" charset="-122"/>
+                <a:ea typeface="仿宋" panose="02010609060101010101" pitchFamily="49" charset="-122"/>
               </a:rPr>
               <a:t>、判断</a:t>
             </a:r>
             <a:r>
               <a:rPr lang="zh-CN" altLang="en-US" dirty="0">
-                <a:latin typeface="仿宋_GB2312" panose="02010609030101010101" pitchFamily="49" charset="-122"/>
-                <a:ea typeface="仿宋_GB2312" panose="02010609030101010101" pitchFamily="49" charset="-122"/>
+                <a:latin typeface="仿宋" panose="02010609060101010101" pitchFamily="49" charset="-122"/>
+                <a:ea typeface="仿宋" panose="02010609060101010101" pitchFamily="49" charset="-122"/>
               </a:rPr>
               <a:t>停止后，对当前方块群做扫描，将铺满方块</a:t>
             </a:r>
             <a:r>
               <a:rPr lang="zh-CN" altLang="en-US" dirty="0" smtClean="0">
-                <a:latin typeface="仿宋_GB2312" panose="02010609030101010101" pitchFamily="49" charset="-122"/>
-                <a:ea typeface="仿宋_GB2312" panose="02010609030101010101" pitchFamily="49" charset="-122"/>
+                <a:latin typeface="仿宋" panose="02010609060101010101" pitchFamily="49" charset="-122"/>
+                <a:ea typeface="仿宋" panose="02010609060101010101" pitchFamily="49" charset="-122"/>
               </a:rPr>
               <a:t>一行删</a:t>
             </a:r>
             <a:r>
               <a:rPr lang="zh-CN" altLang="en-US" dirty="0">
-                <a:latin typeface="仿宋_GB2312" panose="02010609030101010101" pitchFamily="49" charset="-122"/>
-                <a:ea typeface="仿宋_GB2312" panose="02010609030101010101" pitchFamily="49" charset="-122"/>
+                <a:latin typeface="仿宋" panose="02010609060101010101" pitchFamily="49" charset="-122"/>
+                <a:ea typeface="仿宋" panose="02010609060101010101" pitchFamily="49" charset="-122"/>
               </a:rPr>
               <a:t>掉，将未删掉的方块重新向下平移组合，形成新的方块群</a:t>
             </a:r>
             <a:r>
               <a:rPr lang="zh-CN" altLang="en-US" dirty="0" smtClean="0">
-                <a:latin typeface="仿宋_GB2312" panose="02010609030101010101" pitchFamily="49" charset="-122"/>
-                <a:ea typeface="仿宋_GB2312" panose="02010609030101010101" pitchFamily="49" charset="-122"/>
+                <a:latin typeface="仿宋" panose="02010609060101010101" pitchFamily="49" charset="-122"/>
+                <a:ea typeface="仿宋" panose="02010609060101010101" pitchFamily="49" charset="-122"/>
               </a:rPr>
               <a:t>。</a:t>
             </a:r>
             <a:endParaRPr lang="zh-CN" altLang="en-US" dirty="0">
-              <a:latin typeface="仿宋_GB2312" panose="02010609030101010101" pitchFamily="49" charset="-122"/>
-              <a:ea typeface="仿宋_GB2312" panose="02010609030101010101" pitchFamily="49" charset="-122"/>
+              <a:latin typeface="仿宋" panose="02010609060101010101" pitchFamily="49" charset="-122"/>
+              <a:ea typeface="仿宋" panose="02010609060101010101" pitchFamily="49" charset="-122"/>
             </a:endParaRPr>
           </a:p>
         </p:txBody>
@@ -9070,6 +9083,725 @@
     <p:extLst>
       <p:ext uri="{BB962C8B-B14F-4D97-AF65-F5344CB8AC3E}">
         <p14:creationId xmlns:p14="http://schemas.microsoft.com/office/powerpoint/2010/main" val="3066470"/>
+      </p:ext>
+    </p:extLst>
+  </p:cSld>
+  <p:clrMapOvr>
+    <a:masterClrMapping/>
+  </p:clrMapOvr>
+  <p:timing>
+    <p:tnLst>
+      <p:par>
+        <p:cTn id="1" dur="indefinite" restart="never" nodeType="tmRoot"/>
+      </p:par>
+    </p:tnLst>
+  </p:timing>
+</p:sld>
+</file>
+
+<file path=ppt/slides/slide11.xml><?xml version="1.0" encoding="utf-8"?>
+<p:sld xmlns:a="http://schemas.openxmlformats.org/drawingml/2006/main" xmlns:r="http://schemas.openxmlformats.org/officeDocument/2006/relationships" xmlns:p="http://schemas.openxmlformats.org/presentationml/2006/main">
+  <p:cSld>
+    <p:spTree>
+      <p:nvGrpSpPr>
+        <p:cNvPr id="1" name=""/>
+        <p:cNvGrpSpPr/>
+        <p:nvPr/>
+      </p:nvGrpSpPr>
+      <p:grpSpPr>
+        <a:xfrm>
+          <a:off x="0" y="0"/>
+          <a:ext cx="0" cy="0"/>
+          <a:chOff x="0" y="0"/>
+          <a:chExt cx="0" cy="0"/>
+        </a:xfrm>
+      </p:grpSpPr>
+      <p:sp>
+        <p:nvSpPr>
+          <p:cNvPr id="2" name="标题 1"/>
+          <p:cNvSpPr>
+            <a:spLocks noGrp="1"/>
+          </p:cNvSpPr>
+          <p:nvPr>
+            <p:ph type="title"/>
+          </p:nvPr>
+        </p:nvSpPr>
+        <p:spPr/>
+        <p:txBody>
+          <a:bodyPr/>
+          <a:lstStyle/>
+          <a:p>
+            <a:r>
+              <a:rPr lang="en-US" altLang="zh-CN" dirty="0" smtClean="0"/>
+              <a:t>Wiki</a:t>
+            </a:r>
+            <a:r>
+              <a:rPr lang="zh-CN" altLang="en-US" dirty="0" smtClean="0"/>
+              <a:t>小组</a:t>
+            </a:r>
+            <a:r>
+              <a:rPr lang="en-US" altLang="zh-CN" dirty="0" smtClean="0"/>
+              <a:t>Nand2Tetris</a:t>
+            </a:r>
+            <a:r>
+              <a:rPr lang="zh-CN" altLang="en-US" dirty="0"/>
+              <a:t>作业展示</a:t>
+            </a:r>
+          </a:p>
+        </p:txBody>
+      </p:sp>
+      <p:pic>
+        <p:nvPicPr>
+          <p:cNvPr id="6" name="内容占位符 5"/>
+          <p:cNvPicPr>
+            <a:picLocks noGrp="1" noChangeAspect="1"/>
+          </p:cNvPicPr>
+          <p:nvPr>
+            <p:ph idx="1"/>
+          </p:nvPr>
+        </p:nvPicPr>
+        <p:blipFill>
+          <a:blip r:embed="rId2"/>
+          <a:stretch>
+            <a:fillRect/>
+          </a:stretch>
+        </p:blipFill>
+        <p:spPr>
+          <a:xfrm>
+            <a:off x="2489203" y="2463477"/>
+            <a:ext cx="1980952" cy="2647619"/>
+          </a:xfrm>
+          <a:prstGeom prst="rect">
+            <a:avLst/>
+          </a:prstGeom>
+        </p:spPr>
+      </p:pic>
+      <p:pic>
+        <p:nvPicPr>
+          <p:cNvPr id="7" name="图片 6"/>
+          <p:cNvPicPr>
+            <a:picLocks noChangeAspect="1"/>
+          </p:cNvPicPr>
+          <p:nvPr/>
+        </p:nvPicPr>
+        <p:blipFill>
+          <a:blip r:embed="rId3"/>
+          <a:stretch>
+            <a:fillRect/>
+          </a:stretch>
+        </p:blipFill>
+        <p:spPr>
+          <a:xfrm>
+            <a:off x="6088139" y="1966091"/>
+            <a:ext cx="2642622" cy="3687012"/>
+          </a:xfrm>
+          <a:prstGeom prst="rect">
+            <a:avLst/>
+          </a:prstGeom>
+        </p:spPr>
+      </p:pic>
+    </p:spTree>
+    <p:extLst>
+      <p:ext uri="{BB962C8B-B14F-4D97-AF65-F5344CB8AC3E}">
+        <p14:creationId xmlns:p14="http://schemas.microsoft.com/office/powerpoint/2010/main" val="547413250"/>
+      </p:ext>
+    </p:extLst>
+  </p:cSld>
+  <p:clrMapOvr>
+    <a:masterClrMapping/>
+  </p:clrMapOvr>
+  <p:timing>
+    <p:tnLst>
+      <p:par>
+        <p:cTn id="1" dur="indefinite" restart="never" nodeType="tmRoot"/>
+      </p:par>
+    </p:tnLst>
+  </p:timing>
+</p:sld>
+</file>
+
+<file path=ppt/slides/slide12.xml><?xml version="1.0" encoding="utf-8"?>
+<p:sld xmlns:a="http://schemas.openxmlformats.org/drawingml/2006/main" xmlns:r="http://schemas.openxmlformats.org/officeDocument/2006/relationships" xmlns:p="http://schemas.openxmlformats.org/presentationml/2006/main">
+  <p:cSld>
+    <p:spTree>
+      <p:nvGrpSpPr>
+        <p:cNvPr id="1" name=""/>
+        <p:cNvGrpSpPr/>
+        <p:nvPr/>
+      </p:nvGrpSpPr>
+      <p:grpSpPr>
+        <a:xfrm>
+          <a:off x="0" y="0"/>
+          <a:ext cx="0" cy="0"/>
+          <a:chOff x="0" y="0"/>
+          <a:chExt cx="0" cy="0"/>
+        </a:xfrm>
+      </p:grpSpPr>
+      <p:pic>
+        <p:nvPicPr>
+          <p:cNvPr id="4" name="图片 3"/>
+          <p:cNvPicPr>
+            <a:picLocks noChangeAspect="1"/>
+          </p:cNvPicPr>
+          <p:nvPr/>
+        </p:nvPicPr>
+        <p:blipFill>
+          <a:blip r:embed="rId2"/>
+          <a:stretch>
+            <a:fillRect/>
+          </a:stretch>
+        </p:blipFill>
+        <p:spPr>
+          <a:xfrm>
+            <a:off x="863207" y="184809"/>
+            <a:ext cx="10381603" cy="6069970"/>
+          </a:xfrm>
+          <a:prstGeom prst="rect">
+            <a:avLst/>
+          </a:prstGeom>
+        </p:spPr>
+      </p:pic>
+    </p:spTree>
+    <p:extLst>
+      <p:ext uri="{BB962C8B-B14F-4D97-AF65-F5344CB8AC3E}">
+        <p14:creationId xmlns:p14="http://schemas.microsoft.com/office/powerpoint/2010/main" val="201751405"/>
+      </p:ext>
+    </p:extLst>
+  </p:cSld>
+  <p:clrMapOvr>
+    <a:masterClrMapping/>
+  </p:clrMapOvr>
+  <p:timing>
+    <p:tnLst>
+      <p:par>
+        <p:cTn id="1" dur="indefinite" restart="never" nodeType="tmRoot"/>
+      </p:par>
+    </p:tnLst>
+  </p:timing>
+</p:sld>
+</file>
+
+<file path=ppt/slides/slide13.xml><?xml version="1.0" encoding="utf-8"?>
+<p:sld xmlns:a="http://schemas.openxmlformats.org/drawingml/2006/main" xmlns:r="http://schemas.openxmlformats.org/officeDocument/2006/relationships" xmlns:p="http://schemas.openxmlformats.org/presentationml/2006/main">
+  <p:cSld>
+    <p:spTree>
+      <p:nvGrpSpPr>
+        <p:cNvPr id="1" name=""/>
+        <p:cNvGrpSpPr/>
+        <p:nvPr/>
+      </p:nvGrpSpPr>
+      <p:grpSpPr>
+        <a:xfrm>
+          <a:off x="0" y="0"/>
+          <a:ext cx="0" cy="0"/>
+          <a:chOff x="0" y="0"/>
+          <a:chExt cx="0" cy="0"/>
+        </a:xfrm>
+      </p:grpSpPr>
+      <p:sp>
+        <p:nvSpPr>
+          <p:cNvPr id="2" name="标题 1"/>
+          <p:cNvSpPr>
+            <a:spLocks noGrp="1"/>
+          </p:cNvSpPr>
+          <p:nvPr>
+            <p:ph type="title"/>
+          </p:nvPr>
+        </p:nvSpPr>
+        <p:spPr/>
+        <p:txBody>
+          <a:bodyPr/>
+          <a:lstStyle/>
+          <a:p>
+            <a:r>
+              <a:rPr lang="en-US" altLang="zh-CN" dirty="0" err="1" smtClean="0"/>
+              <a:t>MediaWiki</a:t>
+            </a:r>
+            <a:r>
+              <a:rPr lang="en-US" altLang="zh-CN" dirty="0" smtClean="0"/>
+              <a:t> Template</a:t>
+            </a:r>
+            <a:endParaRPr lang="zh-CN" altLang="en-US" dirty="0"/>
+          </a:p>
+        </p:txBody>
+      </p:sp>
+      <p:sp>
+        <p:nvSpPr>
+          <p:cNvPr id="3" name="内容占位符 2"/>
+          <p:cNvSpPr>
+            <a:spLocks noGrp="1"/>
+          </p:cNvSpPr>
+          <p:nvPr>
+            <p:ph idx="1"/>
+          </p:nvPr>
+        </p:nvSpPr>
+        <p:spPr>
+          <a:xfrm>
+            <a:off x="1097280" y="2056750"/>
+            <a:ext cx="10058400" cy="3341728"/>
+          </a:xfrm>
+        </p:spPr>
+        <p:txBody>
+          <a:bodyPr/>
+          <a:lstStyle/>
+          <a:p>
+            <a:pPr>
+              <a:buFont typeface="Wingdings" panose="05000000000000000000" pitchFamily="2" charset="2"/>
+              <a:buChar char="ü"/>
+            </a:pPr>
+            <a:r>
+              <a:rPr lang="en-US" altLang="zh-CN" dirty="0" err="1" smtClean="0">
+                <a:latin typeface="仿宋" panose="02010609060101010101" pitchFamily="49" charset="-122"/>
+                <a:ea typeface="仿宋" panose="02010609060101010101" pitchFamily="49" charset="-122"/>
+              </a:rPr>
+              <a:t>MediaWiki</a:t>
+            </a:r>
+            <a:r>
+              <a:rPr lang="en-US" altLang="zh-CN" dirty="0" smtClean="0">
+                <a:latin typeface="仿宋" panose="02010609060101010101" pitchFamily="49" charset="-122"/>
+                <a:ea typeface="仿宋" panose="02010609060101010101" pitchFamily="49" charset="-122"/>
+              </a:rPr>
+              <a:t> Template</a:t>
+            </a:r>
+            <a:r>
+              <a:rPr lang="zh-CN" altLang="en-US" dirty="0" smtClean="0">
+                <a:latin typeface="仿宋" panose="02010609060101010101" pitchFamily="49" charset="-122"/>
+                <a:ea typeface="仿宋" panose="02010609060101010101" pitchFamily="49" charset="-122"/>
+              </a:rPr>
+              <a:t>即</a:t>
+            </a:r>
+            <a:r>
+              <a:rPr lang="en-US" altLang="zh-CN" dirty="0" smtClean="0">
+                <a:latin typeface="仿宋" panose="02010609060101010101" pitchFamily="49" charset="-122"/>
+                <a:ea typeface="仿宋" panose="02010609060101010101" pitchFamily="49" charset="-122"/>
+              </a:rPr>
+              <a:t>Wiki</a:t>
+            </a:r>
+            <a:r>
+              <a:rPr lang="zh-CN" altLang="en-US" dirty="0" smtClean="0">
+                <a:latin typeface="仿宋" panose="02010609060101010101" pitchFamily="49" charset="-122"/>
+                <a:ea typeface="仿宋" panose="02010609060101010101" pitchFamily="49" charset="-122"/>
+              </a:rPr>
+              <a:t>模板概念。</a:t>
+            </a:r>
+            <a:endParaRPr lang="en-US" altLang="zh-CN" dirty="0" smtClean="0">
+              <a:latin typeface="仿宋" panose="02010609060101010101" pitchFamily="49" charset="-122"/>
+              <a:ea typeface="仿宋" panose="02010609060101010101" pitchFamily="49" charset="-122"/>
+            </a:endParaRPr>
+          </a:p>
+          <a:p>
+            <a:pPr>
+              <a:buFont typeface="Wingdings" panose="05000000000000000000" pitchFamily="2" charset="2"/>
+              <a:buChar char="ü"/>
+            </a:pPr>
+            <a:r>
+              <a:rPr lang="zh-CN" altLang="en-US" dirty="0" smtClean="0">
+                <a:latin typeface="仿宋" panose="02010609060101010101" pitchFamily="49" charset="-122"/>
+                <a:ea typeface="仿宋" panose="02010609060101010101" pitchFamily="49" charset="-122"/>
+              </a:rPr>
+              <a:t>如果</a:t>
+            </a:r>
+            <a:r>
+              <a:rPr lang="zh-CN" altLang="en-US" dirty="0">
+                <a:latin typeface="仿宋" panose="02010609060101010101" pitchFamily="49" charset="-122"/>
+                <a:ea typeface="仿宋" panose="02010609060101010101" pitchFamily="49" charset="-122"/>
+              </a:rPr>
+              <a:t>你需要在多个页面上包含同样的文本的话，</a:t>
+            </a:r>
+            <a:r>
+              <a:rPr lang="en-US" altLang="zh-CN" dirty="0" err="1">
+                <a:latin typeface="仿宋" panose="02010609060101010101" pitchFamily="49" charset="-122"/>
+                <a:ea typeface="仿宋" panose="02010609060101010101" pitchFamily="49" charset="-122"/>
+              </a:rPr>
+              <a:t>MediaWiki</a:t>
+            </a:r>
+            <a:r>
+              <a:rPr lang="en-US" altLang="zh-CN" dirty="0">
+                <a:latin typeface="仿宋" panose="02010609060101010101" pitchFamily="49" charset="-122"/>
+                <a:ea typeface="仿宋" panose="02010609060101010101" pitchFamily="49" charset="-122"/>
+              </a:rPr>
+              <a:t> </a:t>
+            </a:r>
+            <a:r>
+              <a:rPr lang="zh-CN" altLang="en-US" dirty="0">
+                <a:latin typeface="仿宋" panose="02010609060101010101" pitchFamily="49" charset="-122"/>
+                <a:ea typeface="仿宋" panose="02010609060101010101" pitchFamily="49" charset="-122"/>
+              </a:rPr>
+              <a:t>的模板功能就起到作用了。 </a:t>
+            </a:r>
+            <a:endParaRPr lang="en-US" altLang="zh-CN" dirty="0" smtClean="0">
+              <a:latin typeface="仿宋" panose="02010609060101010101" pitchFamily="49" charset="-122"/>
+              <a:ea typeface="仿宋" panose="02010609060101010101" pitchFamily="49" charset="-122"/>
+            </a:endParaRPr>
+          </a:p>
+          <a:p>
+            <a:pPr>
+              <a:buFont typeface="Wingdings" panose="05000000000000000000" pitchFamily="2" charset="2"/>
+              <a:buChar char="ü"/>
+            </a:pPr>
+            <a:r>
+              <a:rPr lang="zh-CN" altLang="en-US" dirty="0" smtClean="0">
+                <a:latin typeface="仿宋" panose="02010609060101010101" pitchFamily="49" charset="-122"/>
+                <a:ea typeface="仿宋" panose="02010609060101010101" pitchFamily="49" charset="-122"/>
+              </a:rPr>
+              <a:t>编辑</a:t>
+            </a:r>
+            <a:r>
+              <a:rPr lang="zh-CN" altLang="en-US" dirty="0">
+                <a:latin typeface="仿宋" panose="02010609060101010101" pitchFamily="49" charset="-122"/>
+                <a:ea typeface="仿宋" panose="02010609060101010101" pitchFamily="49" charset="-122"/>
+              </a:rPr>
+              <a:t>者可以</a:t>
+            </a:r>
+            <a:r>
+              <a:rPr lang="zh-CN" altLang="en-US" dirty="0" smtClean="0">
+                <a:latin typeface="仿宋" panose="02010609060101010101" pitchFamily="49" charset="-122"/>
+                <a:ea typeface="仿宋" panose="02010609060101010101" pitchFamily="49" charset="-122"/>
+              </a:rPr>
+              <a:t>从头编写</a:t>
+            </a:r>
+            <a:r>
+              <a:rPr lang="zh-CN" altLang="en-US" dirty="0">
+                <a:latin typeface="仿宋" panose="02010609060101010101" pitchFamily="49" charset="-122"/>
+                <a:ea typeface="仿宋" panose="02010609060101010101" pitchFamily="49" charset="-122"/>
+              </a:rPr>
+              <a:t>、复制现有模板或导入来自其他维基的模板页面</a:t>
+            </a:r>
+            <a:r>
+              <a:rPr lang="zh-CN" altLang="en-US" dirty="0" smtClean="0">
+                <a:latin typeface="仿宋" panose="02010609060101010101" pitchFamily="49" charset="-122"/>
+                <a:ea typeface="仿宋" panose="02010609060101010101" pitchFamily="49" charset="-122"/>
+              </a:rPr>
+              <a:t>。</a:t>
+            </a:r>
+            <a:endParaRPr lang="en-US" altLang="zh-CN" dirty="0" smtClean="0">
+              <a:latin typeface="仿宋" panose="02010609060101010101" pitchFamily="49" charset="-122"/>
+              <a:ea typeface="仿宋" panose="02010609060101010101" pitchFamily="49" charset="-122"/>
+            </a:endParaRPr>
+          </a:p>
+          <a:p>
+            <a:pPr>
+              <a:buFont typeface="Wingdings" panose="05000000000000000000" pitchFamily="2" charset="2"/>
+              <a:buChar char="ü"/>
+            </a:pPr>
+            <a:r>
+              <a:rPr lang="en-US" altLang="zh-CN" dirty="0" smtClean="0">
+                <a:latin typeface="仿宋" panose="02010609060101010101" pitchFamily="49" charset="-122"/>
+                <a:ea typeface="仿宋" panose="02010609060101010101" pitchFamily="49" charset="-122"/>
+              </a:rPr>
+              <a:t>Wiki</a:t>
+            </a:r>
+            <a:r>
+              <a:rPr lang="zh-CN" altLang="en-US" dirty="0">
+                <a:latin typeface="仿宋" panose="02010609060101010101" pitchFamily="49" charset="-122"/>
+                <a:ea typeface="仿宋" panose="02010609060101010101" pitchFamily="49" charset="-122"/>
+              </a:rPr>
+              <a:t>模板是一种标准 </a:t>
+            </a:r>
+            <a:r>
+              <a:rPr lang="en-US" altLang="zh-CN" dirty="0">
+                <a:latin typeface="仿宋" panose="02010609060101010101" pitchFamily="49" charset="-122"/>
+                <a:ea typeface="仿宋" panose="02010609060101010101" pitchFamily="49" charset="-122"/>
+              </a:rPr>
+              <a:t>wiki </a:t>
+            </a:r>
+            <a:r>
+              <a:rPr lang="zh-CN" altLang="en-US" dirty="0">
+                <a:latin typeface="仿宋" panose="02010609060101010101" pitchFamily="49" charset="-122"/>
+                <a:ea typeface="仿宋" panose="02010609060101010101" pitchFamily="49" charset="-122"/>
+              </a:rPr>
+              <a:t>页面，但它是主要是用于嵌入到其它页面中</a:t>
+            </a:r>
+            <a:r>
+              <a:rPr lang="zh-CN" altLang="en-US" dirty="0" smtClean="0">
+                <a:latin typeface="仿宋" panose="02010609060101010101" pitchFamily="49" charset="-122"/>
+                <a:ea typeface="仿宋" panose="02010609060101010101" pitchFamily="49" charset="-122"/>
+              </a:rPr>
+              <a:t>。</a:t>
+            </a:r>
+            <a:endParaRPr lang="en-US" altLang="zh-CN" dirty="0" smtClean="0">
+              <a:latin typeface="仿宋" panose="02010609060101010101" pitchFamily="49" charset="-122"/>
+              <a:ea typeface="仿宋" panose="02010609060101010101" pitchFamily="49" charset="-122"/>
+            </a:endParaRPr>
+          </a:p>
+          <a:p>
+            <a:pPr>
+              <a:buFont typeface="Wingdings" panose="05000000000000000000" pitchFamily="2" charset="2"/>
+              <a:buChar char="ü"/>
+            </a:pPr>
+            <a:r>
+              <a:rPr lang="zh-CN" altLang="en-US" dirty="0" smtClean="0">
+                <a:latin typeface="仿宋" panose="02010609060101010101" pitchFamily="49" charset="-122"/>
+                <a:ea typeface="仿宋" panose="02010609060101010101" pitchFamily="49" charset="-122"/>
+              </a:rPr>
+              <a:t>如果你使用编辑好的</a:t>
+            </a:r>
+            <a:r>
+              <a:rPr lang="en-US" altLang="zh-CN" dirty="0" smtClean="0">
+                <a:latin typeface="仿宋" panose="02010609060101010101" pitchFamily="49" charset="-122"/>
+                <a:ea typeface="仿宋" panose="02010609060101010101" pitchFamily="49" charset="-122"/>
+              </a:rPr>
+              <a:t>Wiki</a:t>
+            </a:r>
+            <a:r>
+              <a:rPr lang="zh-CN" altLang="en-US" dirty="0" smtClean="0">
+                <a:latin typeface="仿宋" panose="02010609060101010101" pitchFamily="49" charset="-122"/>
+                <a:ea typeface="仿宋" panose="02010609060101010101" pitchFamily="49" charset="-122"/>
+              </a:rPr>
+              <a:t>模板记录或编写了</a:t>
+            </a:r>
+            <a:r>
+              <a:rPr lang="en-US" altLang="zh-CN" dirty="0" smtClean="0">
+                <a:latin typeface="仿宋" panose="02010609060101010101" pitchFamily="49" charset="-122"/>
+                <a:ea typeface="仿宋" panose="02010609060101010101" pitchFamily="49" charset="-122"/>
+              </a:rPr>
+              <a:t>N</a:t>
+            </a:r>
+            <a:r>
+              <a:rPr lang="zh-CN" altLang="en-US" dirty="0" smtClean="0">
+                <a:latin typeface="仿宋" panose="02010609060101010101" pitchFamily="49" charset="-122"/>
+                <a:ea typeface="仿宋" panose="02010609060101010101" pitchFamily="49" charset="-122"/>
+              </a:rPr>
+              <a:t>个数据，当你修改这个模板结构后，这</a:t>
+            </a:r>
+            <a:r>
+              <a:rPr lang="en-US" altLang="zh-CN" dirty="0" smtClean="0">
+                <a:latin typeface="仿宋" panose="02010609060101010101" pitchFamily="49" charset="-122"/>
+                <a:ea typeface="仿宋" panose="02010609060101010101" pitchFamily="49" charset="-122"/>
+              </a:rPr>
+              <a:t>N</a:t>
+            </a:r>
+            <a:r>
+              <a:rPr lang="zh-CN" altLang="en-US" dirty="0" smtClean="0">
+                <a:latin typeface="仿宋" panose="02010609060101010101" pitchFamily="49" charset="-122"/>
+                <a:ea typeface="仿宋" panose="02010609060101010101" pitchFamily="49" charset="-122"/>
+              </a:rPr>
+              <a:t>个数据的结构也会随着模板的改变而改变，这在维护复数个记录时可以降低错误率。</a:t>
+            </a:r>
+            <a:endParaRPr lang="en-US" altLang="zh-CN" dirty="0" smtClean="0">
+              <a:latin typeface="仿宋" panose="02010609060101010101" pitchFamily="49" charset="-122"/>
+              <a:ea typeface="仿宋" panose="02010609060101010101" pitchFamily="49" charset="-122"/>
+            </a:endParaRPr>
+          </a:p>
+          <a:p>
+            <a:pPr>
+              <a:buFont typeface="Wingdings" panose="05000000000000000000" pitchFamily="2" charset="2"/>
+              <a:buChar char="ü"/>
+            </a:pPr>
+            <a:r>
+              <a:rPr lang="zh-CN" altLang="en-US" dirty="0" smtClean="0">
+                <a:latin typeface="仿宋" panose="02010609060101010101" pitchFamily="49" charset="-122"/>
+                <a:ea typeface="仿宋" panose="02010609060101010101" pitchFamily="49" charset="-122"/>
+              </a:rPr>
+              <a:t>因此</a:t>
+            </a:r>
+            <a:r>
+              <a:rPr lang="en-US" altLang="zh-CN" dirty="0" err="1" smtClean="0">
+                <a:latin typeface="仿宋" panose="02010609060101010101" pitchFamily="49" charset="-122"/>
+                <a:ea typeface="仿宋" panose="02010609060101010101" pitchFamily="49" charset="-122"/>
+              </a:rPr>
+              <a:t>WikiTemplate</a:t>
+            </a:r>
+            <a:r>
+              <a:rPr lang="zh-CN" altLang="en-US" dirty="0">
+                <a:latin typeface="仿宋" panose="02010609060101010101" pitchFamily="49" charset="-122"/>
+                <a:ea typeface="仿宋" panose="02010609060101010101" pitchFamily="49" charset="-122"/>
+              </a:rPr>
+              <a:t>是一个非常有用的数据存储工具，利用模板可以规范数据的结构，而且还可以利用模板来调整已存储的数据结构。</a:t>
+            </a:r>
+          </a:p>
+        </p:txBody>
+      </p:sp>
+    </p:spTree>
+    <p:extLst>
+      <p:ext uri="{BB962C8B-B14F-4D97-AF65-F5344CB8AC3E}">
+        <p14:creationId xmlns:p14="http://schemas.microsoft.com/office/powerpoint/2010/main" val="2979136936"/>
+      </p:ext>
+    </p:extLst>
+  </p:cSld>
+  <p:clrMapOvr>
+    <a:masterClrMapping/>
+  </p:clrMapOvr>
+  <p:timing>
+    <p:tnLst>
+      <p:par>
+        <p:cTn id="1" dur="indefinite" restart="never" nodeType="tmRoot"/>
+      </p:par>
+    </p:tnLst>
+  </p:timing>
+</p:sld>
+</file>
+
+<file path=ppt/slides/slide14.xml><?xml version="1.0" encoding="utf-8"?>
+<p:sld xmlns:a="http://schemas.openxmlformats.org/drawingml/2006/main" xmlns:r="http://schemas.openxmlformats.org/officeDocument/2006/relationships" xmlns:p="http://schemas.openxmlformats.org/presentationml/2006/main">
+  <p:cSld>
+    <p:spTree>
+      <p:nvGrpSpPr>
+        <p:cNvPr id="1" name=""/>
+        <p:cNvGrpSpPr/>
+        <p:nvPr/>
+      </p:nvGrpSpPr>
+      <p:grpSpPr>
+        <a:xfrm>
+          <a:off x="0" y="0"/>
+          <a:ext cx="0" cy="0"/>
+          <a:chOff x="0" y="0"/>
+          <a:chExt cx="0" cy="0"/>
+        </a:xfrm>
+      </p:grpSpPr>
+      <p:sp>
+        <p:nvSpPr>
+          <p:cNvPr id="2" name="标题 1"/>
+          <p:cNvSpPr>
+            <a:spLocks noGrp="1"/>
+          </p:cNvSpPr>
+          <p:nvPr>
+            <p:ph type="title"/>
+          </p:nvPr>
+        </p:nvSpPr>
+        <p:spPr/>
+        <p:txBody>
+          <a:bodyPr/>
+          <a:lstStyle/>
+          <a:p>
+            <a:r>
+              <a:rPr lang="en-US" altLang="zh-CN" dirty="0" smtClean="0"/>
+              <a:t>GitHub</a:t>
+            </a:r>
+            <a:r>
+              <a:rPr lang="zh-CN" altLang="en-US" dirty="0" smtClean="0"/>
+              <a:t>迭代维护</a:t>
+            </a:r>
+            <a:endParaRPr lang="zh-CN" altLang="en-US" dirty="0"/>
+          </a:p>
+        </p:txBody>
+      </p:sp>
+      <p:pic>
+        <p:nvPicPr>
+          <p:cNvPr id="4" name="内容占位符 3"/>
+          <p:cNvPicPr>
+            <a:picLocks noGrp="1" noChangeAspect="1"/>
+          </p:cNvPicPr>
+          <p:nvPr>
+            <p:ph idx="1"/>
+          </p:nvPr>
+        </p:nvPicPr>
+        <p:blipFill>
+          <a:blip r:embed="rId2"/>
+          <a:stretch>
+            <a:fillRect/>
+          </a:stretch>
+        </p:blipFill>
+        <p:spPr>
+          <a:xfrm>
+            <a:off x="1096963" y="2454217"/>
+            <a:ext cx="10058400" cy="2806816"/>
+          </a:xfrm>
+          <a:prstGeom prst="rect">
+            <a:avLst/>
+          </a:prstGeom>
+        </p:spPr>
+      </p:pic>
+      <p:sp>
+        <p:nvSpPr>
+          <p:cNvPr id="5" name="文本框 4"/>
+          <p:cNvSpPr txBox="1"/>
+          <p:nvPr/>
+        </p:nvSpPr>
+        <p:spPr>
+          <a:xfrm>
+            <a:off x="1248507" y="1911122"/>
+            <a:ext cx="3824653" cy="369332"/>
+          </a:xfrm>
+          <a:prstGeom prst="rect">
+            <a:avLst/>
+          </a:prstGeom>
+          <a:noFill/>
+        </p:spPr>
+        <p:txBody>
+          <a:bodyPr wrap="square" rtlCol="0">
+            <a:spAutoFit/>
+          </a:bodyPr>
+          <a:lstStyle/>
+          <a:p>
+            <a:r>
+              <a:rPr lang="zh-CN" altLang="en-US" dirty="0" smtClean="0"/>
+              <a:t>使用</a:t>
+            </a:r>
+            <a:r>
+              <a:rPr lang="en-US" altLang="zh-CN" dirty="0" err="1" smtClean="0"/>
+              <a:t>GitKraken</a:t>
+            </a:r>
+            <a:r>
+              <a:rPr lang="zh-CN" altLang="en-US" dirty="0" smtClean="0"/>
+              <a:t>进行</a:t>
+            </a:r>
+            <a:r>
+              <a:rPr lang="en-US" altLang="zh-CN" dirty="0" err="1" smtClean="0"/>
+              <a:t>Pull&amp;Push</a:t>
+            </a:r>
+            <a:endParaRPr lang="zh-CN" altLang="en-US" dirty="0"/>
+          </a:p>
+        </p:txBody>
+      </p:sp>
+    </p:spTree>
+    <p:extLst>
+      <p:ext uri="{BB962C8B-B14F-4D97-AF65-F5344CB8AC3E}">
+        <p14:creationId xmlns:p14="http://schemas.microsoft.com/office/powerpoint/2010/main" val="3922326276"/>
+      </p:ext>
+    </p:extLst>
+  </p:cSld>
+  <p:clrMapOvr>
+    <a:masterClrMapping/>
+  </p:clrMapOvr>
+</p:sld>
+</file>
+
+<file path=ppt/slides/slide15.xml><?xml version="1.0" encoding="utf-8"?>
+<p:sld xmlns:a="http://schemas.openxmlformats.org/drawingml/2006/main" xmlns:r="http://schemas.openxmlformats.org/officeDocument/2006/relationships" xmlns:p="http://schemas.openxmlformats.org/presentationml/2006/main">
+  <p:cSld>
+    <p:spTree>
+      <p:nvGrpSpPr>
+        <p:cNvPr id="1" name=""/>
+        <p:cNvGrpSpPr/>
+        <p:nvPr/>
+      </p:nvGrpSpPr>
+      <p:grpSpPr>
+        <a:xfrm>
+          <a:off x="0" y="0"/>
+          <a:ext cx="0" cy="0"/>
+          <a:chOff x="0" y="0"/>
+          <a:chExt cx="0" cy="0"/>
+        </a:xfrm>
+      </p:grpSpPr>
+      <p:sp>
+        <p:nvSpPr>
+          <p:cNvPr id="4" name="标题 3"/>
+          <p:cNvSpPr>
+            <a:spLocks noGrp="1"/>
+          </p:cNvSpPr>
+          <p:nvPr>
+            <p:ph type="ctrTitle"/>
+          </p:nvPr>
+        </p:nvSpPr>
+        <p:spPr/>
+        <p:txBody>
+          <a:bodyPr/>
+          <a:lstStyle/>
+          <a:p>
+            <a:pPr algn="ctr"/>
+            <a:r>
+              <a:rPr lang="zh-CN" altLang="en-US" dirty="0" smtClean="0"/>
+              <a:t>感谢观看！</a:t>
+            </a:r>
+            <a:endParaRPr lang="zh-CN" altLang="en-US" dirty="0"/>
+          </a:p>
+        </p:txBody>
+      </p:sp>
+    </p:spTree>
+    <p:extLst>
+      <p:ext uri="{BB962C8B-B14F-4D97-AF65-F5344CB8AC3E}">
+        <p14:creationId xmlns:p14="http://schemas.microsoft.com/office/powerpoint/2010/main" val="2667436154"/>
       </p:ext>
     </p:extLst>
   </p:cSld>
@@ -11488,15 +12220,7 @@
                   <a:ea typeface="微軟正黑體" panose="020B0604030504040204" pitchFamily="34" charset="-120"/>
                   <a:cs typeface="Lantinghei SC Extralight" charset="-122"/>
                 </a:rPr>
-                <a:t>章节</a:t>
-              </a:r>
-              <a:r>
-                <a:rPr lang="zh-CN" altLang="en-US" sz="1100" b="1" dirty="0" smtClean="0">
-                  <a:latin typeface="微軟正黑體" panose="020B0604030504040204" pitchFamily="34" charset="-120"/>
-                  <a:ea typeface="微軟正黑體" panose="020B0604030504040204" pitchFamily="34" charset="-120"/>
-                  <a:cs typeface="Lantinghei SC Extralight" charset="-122"/>
-                </a:rPr>
-                <a:t>任务；</a:t>
+                <a:t>章节任务；</a:t>
               </a:r>
               <a:endParaRPr lang="en-CA" altLang="zh-CN" sz="1100" b="1" dirty="0">
                 <a:latin typeface="微軟正黑體" panose="020B0604030504040204" pitchFamily="34" charset="-120"/>
@@ -12531,7 +13255,7 @@
             <p:ph idx="1"/>
             <p:extLst>
               <p:ext uri="{D42A27DB-BD31-4B8C-83A1-F6EECF244321}">
-                <p14:modId xmlns:p14="http://schemas.microsoft.com/office/powerpoint/2010/main" val="837882505"/>
+                <p14:modId xmlns:p14="http://schemas.microsoft.com/office/powerpoint/2010/main" val="596434244"/>
               </p:ext>
             </p:extLst>
           </p:nvPr>
@@ -12585,14 +13309,14 @@
                       <a:pPr algn="ctr"/>
                       <a:r>
                         <a:rPr lang="zh-CN" altLang="en-US" dirty="0" smtClean="0">
-                          <a:latin typeface="楷体_GB2312" panose="02010609030101010101" pitchFamily="49" charset="-122"/>
-                          <a:ea typeface="楷体_GB2312" panose="02010609030101010101" pitchFamily="49" charset="-122"/>
+                          <a:latin typeface="楷体" panose="02010609060101010101" pitchFamily="49" charset="-122"/>
+                          <a:ea typeface="楷体" panose="02010609060101010101" pitchFamily="49" charset="-122"/>
                         </a:rPr>
                         <a:t>组员</a:t>
                       </a:r>
                       <a:endParaRPr lang="zh-CN" altLang="en-US" dirty="0">
-                        <a:latin typeface="楷体_GB2312" panose="02010609030101010101" pitchFamily="49" charset="-122"/>
-                        <a:ea typeface="楷体_GB2312" panose="02010609030101010101" pitchFamily="49" charset="-122"/>
+                        <a:latin typeface="楷体" panose="02010609060101010101" pitchFamily="49" charset="-122"/>
+                        <a:ea typeface="楷体" panose="02010609060101010101" pitchFamily="49" charset="-122"/>
                       </a:endParaRPr>
                     </a:p>
                   </a:txBody>
@@ -12606,14 +13330,14 @@
                       <a:pPr algn="ctr"/>
                       <a:r>
                         <a:rPr lang="zh-CN" altLang="en-US" dirty="0" smtClean="0">
-                          <a:latin typeface="楷体_GB2312" panose="02010609030101010101" pitchFamily="49" charset="-122"/>
-                          <a:ea typeface="楷体_GB2312" panose="02010609030101010101" pitchFamily="49" charset="-122"/>
+                          <a:latin typeface="楷体" panose="02010609060101010101" pitchFamily="49" charset="-122"/>
+                          <a:ea typeface="楷体" panose="02010609060101010101" pitchFamily="49" charset="-122"/>
                         </a:rPr>
-                        <a:t>上周字符数</a:t>
+                        <a:t>上周字节数</a:t>
                       </a:r>
                       <a:endParaRPr lang="zh-CN" altLang="en-US" dirty="0">
-                        <a:latin typeface="楷体_GB2312" panose="02010609030101010101" pitchFamily="49" charset="-122"/>
-                        <a:ea typeface="楷体_GB2312" panose="02010609030101010101" pitchFamily="49" charset="-122"/>
+                        <a:latin typeface="楷体" panose="02010609060101010101" pitchFamily="49" charset="-122"/>
+                        <a:ea typeface="楷体" panose="02010609060101010101" pitchFamily="49" charset="-122"/>
                       </a:endParaRPr>
                     </a:p>
                   </a:txBody>
@@ -12627,14 +13351,14 @@
                       <a:pPr algn="ctr"/>
                       <a:r>
                         <a:rPr lang="zh-CN" altLang="en-US" dirty="0" smtClean="0">
-                          <a:latin typeface="楷体_GB2312" panose="02010609030101010101" pitchFamily="49" charset="-122"/>
-                          <a:ea typeface="楷体_GB2312" panose="02010609030101010101" pitchFamily="49" charset="-122"/>
+                          <a:latin typeface="楷体" panose="02010609060101010101" pitchFamily="49" charset="-122"/>
+                          <a:ea typeface="楷体" panose="02010609060101010101" pitchFamily="49" charset="-122"/>
                         </a:rPr>
-                        <a:t>本周字符数</a:t>
+                        <a:t>本周字节数</a:t>
                       </a:r>
                       <a:endParaRPr lang="zh-CN" altLang="en-US" dirty="0">
-                        <a:latin typeface="楷体_GB2312" panose="02010609030101010101" pitchFamily="49" charset="-122"/>
-                        <a:ea typeface="楷体_GB2312" panose="02010609030101010101" pitchFamily="49" charset="-122"/>
+                        <a:latin typeface="楷体" panose="02010609060101010101" pitchFamily="49" charset="-122"/>
+                        <a:ea typeface="楷体" panose="02010609060101010101" pitchFamily="49" charset="-122"/>
                       </a:endParaRPr>
                     </a:p>
                   </a:txBody>
@@ -12648,14 +13372,14 @@
                       <a:pPr algn="ctr"/>
                       <a:r>
                         <a:rPr lang="zh-CN" altLang="en-US" dirty="0" smtClean="0">
-                          <a:latin typeface="楷体_GB2312" panose="02010609030101010101" pitchFamily="49" charset="-122"/>
-                          <a:ea typeface="楷体_GB2312" panose="02010609030101010101" pitchFamily="49" charset="-122"/>
+                          <a:latin typeface="楷体" panose="02010609060101010101" pitchFamily="49" charset="-122"/>
+                          <a:ea typeface="楷体" panose="02010609060101010101" pitchFamily="49" charset="-122"/>
                         </a:rPr>
                         <a:t>增加量</a:t>
                       </a:r>
                       <a:endParaRPr lang="zh-CN" altLang="en-US" dirty="0">
-                        <a:latin typeface="楷体_GB2312" panose="02010609030101010101" pitchFamily="49" charset="-122"/>
-                        <a:ea typeface="楷体_GB2312" panose="02010609030101010101" pitchFamily="49" charset="-122"/>
+                        <a:latin typeface="楷体" panose="02010609060101010101" pitchFamily="49" charset="-122"/>
+                        <a:ea typeface="楷体" panose="02010609060101010101" pitchFamily="49" charset="-122"/>
                       </a:endParaRPr>
                     </a:p>
                   </a:txBody>
@@ -12759,7 +13483,7 @@
                     <a:bodyPr/>
                     <a:lstStyle/>
                     <a:p>
-                      <a:endParaRPr lang="zh-CN" altLang="en-US">
+                      <a:endParaRPr lang="zh-CN" altLang="en-US" dirty="0">
                         <a:latin typeface="仿宋_GB2312" panose="02010609030101010101" pitchFamily="49" charset="-122"/>
                         <a:ea typeface="仿宋_GB2312" panose="02010609030101010101" pitchFamily="49" charset="-122"/>
                       </a:endParaRPr>
@@ -13511,46 +14235,39 @@
           <a:p>
             <a:r>
               <a:rPr lang="zh-CN" altLang="en-US" b="1" dirty="0" smtClean="0">
-                <a:latin typeface="仿宋_GB2312" panose="02010609030101010101" pitchFamily="49" charset="-122"/>
-                <a:ea typeface="仿宋_GB2312" panose="02010609030101010101" pitchFamily="49" charset="-122"/>
+                <a:latin typeface="仿宋" panose="02010609060101010101" pitchFamily="49" charset="-122"/>
+                <a:ea typeface="仿宋" panose="02010609060101010101" pitchFamily="49" charset="-122"/>
               </a:rPr>
-              <a:t>根据计算思维课程的内容重新设计了小组主页</a:t>
-            </a:r>
-            <a:r>
-              <a:rPr lang="zh-CN" altLang="en-US" b="1" dirty="0" smtClean="0">
-                <a:latin typeface="仿宋_GB2312" panose="02010609030101010101" pitchFamily="49" charset="-122"/>
-                <a:ea typeface="仿宋_GB2312" panose="02010609030101010101" pitchFamily="49" charset="-122"/>
-              </a:rPr>
-              <a:t>。</a:t>
+              <a:t>根据计算思维课程的内容重新设计了小组主页。</a:t>
             </a:r>
             <a:endParaRPr lang="en-US" altLang="zh-CN" b="1" dirty="0" smtClean="0">
-              <a:latin typeface="仿宋_GB2312" panose="02010609030101010101" pitchFamily="49" charset="-122"/>
-              <a:ea typeface="仿宋_GB2312" panose="02010609030101010101" pitchFamily="49" charset="-122"/>
+              <a:latin typeface="仿宋" panose="02010609060101010101" pitchFamily="49" charset="-122"/>
+              <a:ea typeface="仿宋" panose="02010609060101010101" pitchFamily="49" charset="-122"/>
             </a:endParaRPr>
           </a:p>
           <a:p>
             <a:endParaRPr lang="en-US" altLang="zh-CN" b="1" dirty="0">
-              <a:latin typeface="仿宋_GB2312" panose="02010609030101010101" pitchFamily="49" charset="-122"/>
-              <a:ea typeface="仿宋_GB2312" panose="02010609030101010101" pitchFamily="49" charset="-122"/>
+              <a:latin typeface="仿宋" panose="02010609060101010101" pitchFamily="49" charset="-122"/>
+              <a:ea typeface="仿宋" panose="02010609060101010101" pitchFamily="49" charset="-122"/>
             </a:endParaRPr>
           </a:p>
           <a:p>
             <a:endParaRPr lang="en-US" altLang="zh-CN" b="1" dirty="0" smtClean="0">
-              <a:latin typeface="仿宋_GB2312" panose="02010609030101010101" pitchFamily="49" charset="-122"/>
-              <a:ea typeface="仿宋_GB2312" panose="02010609030101010101" pitchFamily="49" charset="-122"/>
+              <a:latin typeface="仿宋" panose="02010609060101010101" pitchFamily="49" charset="-122"/>
+              <a:ea typeface="仿宋" panose="02010609060101010101" pitchFamily="49" charset="-122"/>
             </a:endParaRPr>
           </a:p>
           <a:p>
             <a:r>
               <a:rPr lang="zh-CN" altLang="en-US" b="1" dirty="0" smtClean="0">
-                <a:latin typeface="仿宋_GB2312" panose="02010609030101010101" pitchFamily="49" charset="-122"/>
-                <a:ea typeface="仿宋_GB2312" panose="02010609030101010101" pitchFamily="49" charset="-122"/>
+                <a:latin typeface="仿宋" panose="02010609060101010101" pitchFamily="49" charset="-122"/>
+                <a:ea typeface="仿宋" panose="02010609060101010101" pitchFamily="49" charset="-122"/>
               </a:rPr>
               <a:t>在版式结构上借鉴了第四组的格式，并加入了小组特色内容。</a:t>
             </a:r>
             <a:endParaRPr lang="zh-CN" altLang="en-US" b="1" dirty="0">
-              <a:latin typeface="仿宋_GB2312" panose="02010609030101010101" pitchFamily="49" charset="-122"/>
-              <a:ea typeface="仿宋_GB2312" panose="02010609030101010101" pitchFamily="49" charset="-122"/>
+              <a:latin typeface="仿宋" panose="02010609060101010101" pitchFamily="49" charset="-122"/>
+              <a:ea typeface="仿宋" panose="02010609060101010101" pitchFamily="49" charset="-122"/>
             </a:endParaRPr>
           </a:p>
         </p:txBody>
@@ -13714,14 +14431,7 @@
                 <a:latin typeface="仿宋_GB2312" panose="02010609030101010101" pitchFamily="49" charset="-122"/>
                 <a:ea typeface="仿宋_GB2312" panose="02010609030101010101" pitchFamily="49" charset="-122"/>
               </a:rPr>
-              <a:t>Nand</a:t>
-            </a:r>
-            <a:r>
-              <a:rPr lang="en-US" altLang="zh-CN" dirty="0" smtClean="0">
-                <a:latin typeface="仿宋_GB2312" panose="02010609030101010101" pitchFamily="49" charset="-122"/>
-                <a:ea typeface="仿宋_GB2312" panose="02010609030101010101" pitchFamily="49" charset="-122"/>
-              </a:rPr>
-              <a:t>2Tetris</a:t>
+              <a:t>Nand2Tetris</a:t>
             </a:r>
             <a:r>
               <a:rPr lang="zh-CN" altLang="en-US" dirty="0" smtClean="0">

--- a/weekly_report/group3/week4.pptx
+++ b/weekly_report/group3/week4.pptx
@@ -124,6 +124,1097 @@
     </p:ext>
   </p:extLst>
 </p:presentation>
+</file>
+
+<file path=ppt/charts/chart1.xml><?xml version="1.0" encoding="utf-8"?>
+<c:chartSpace xmlns:c="http://schemas.openxmlformats.org/drawingml/2006/chart" xmlns:a="http://schemas.openxmlformats.org/drawingml/2006/main" xmlns:r="http://schemas.openxmlformats.org/officeDocument/2006/relationships" xmlns:c16r2="http://schemas.microsoft.com/office/drawing/2015/06/chart">
+  <c:date1904 val="0"/>
+  <c:lang val="zh-CN"/>
+  <c:roundedCorners val="0"/>
+  <mc:AlternateContent xmlns:mc="http://schemas.openxmlformats.org/markup-compatibility/2006">
+    <mc:Choice xmlns:c14="http://schemas.microsoft.com/office/drawing/2007/8/2/chart" Requires="c14">
+      <c14:style val="102"/>
+    </mc:Choice>
+    <mc:Fallback>
+      <c:style val="2"/>
+    </mc:Fallback>
+  </mc:AlternateContent>
+  <c:chart>
+    <c:title>
+      <c:tx>
+        <c:rich>
+          <a:bodyPr rot="0" spcFirstLastPara="1" vertOverflow="ellipsis" vert="horz" wrap="square" anchor="ctr" anchorCtr="1"/>
+          <a:lstStyle/>
+          <a:p>
+            <a:pPr>
+              <a:defRPr sz="1600" b="1" i="0" u="none" strike="noStrike" kern="1200" cap="none" spc="0" normalizeH="0" baseline="0">
+                <a:solidFill>
+                  <a:schemeClr val="dk1">
+                    <a:lumMod val="50000"/>
+                    <a:lumOff val="50000"/>
+                  </a:schemeClr>
+                </a:solidFill>
+                <a:latin typeface="+mj-lt"/>
+                <a:ea typeface="+mj-ea"/>
+                <a:cs typeface="+mj-cs"/>
+              </a:defRPr>
+            </a:pPr>
+            <a:r>
+              <a:rPr lang="zh-CN" dirty="0"/>
+              <a:t>第</a:t>
+            </a:r>
+            <a:r>
+              <a:rPr lang="en-US" dirty="0"/>
+              <a:t>3</a:t>
+            </a:r>
+            <a:r>
+              <a:rPr lang="zh-CN" dirty="0" smtClean="0"/>
+              <a:t>小组第</a:t>
+            </a:r>
+            <a:r>
+              <a:rPr lang="en-US" dirty="0" smtClean="0"/>
+              <a:t>5</a:t>
+            </a:r>
+            <a:r>
+              <a:rPr lang="zh-CN" dirty="0" smtClean="0"/>
+              <a:t>周</a:t>
+            </a:r>
+            <a:r>
+              <a:rPr lang="en-US" dirty="0"/>
+              <a:t>Wiki</a:t>
+            </a:r>
+            <a:r>
+              <a:rPr lang="zh-CN" dirty="0"/>
+              <a:t>内容迭代数据</a:t>
+            </a:r>
+          </a:p>
+        </c:rich>
+      </c:tx>
+      <c:layout/>
+      <c:overlay val="0"/>
+      <c:spPr>
+        <a:noFill/>
+        <a:ln>
+          <a:noFill/>
+        </a:ln>
+        <a:effectLst/>
+      </c:spPr>
+      <c:txPr>
+        <a:bodyPr rot="0" spcFirstLastPara="1" vertOverflow="ellipsis" vert="horz" wrap="square" anchor="ctr" anchorCtr="1"/>
+        <a:lstStyle/>
+        <a:p>
+          <a:pPr>
+            <a:defRPr sz="1600" b="1" i="0" u="none" strike="noStrike" kern="1200" cap="none" spc="0" normalizeH="0" baseline="0">
+              <a:solidFill>
+                <a:schemeClr val="dk1">
+                  <a:lumMod val="50000"/>
+                  <a:lumOff val="50000"/>
+                </a:schemeClr>
+              </a:solidFill>
+              <a:latin typeface="+mj-lt"/>
+              <a:ea typeface="+mj-ea"/>
+              <a:cs typeface="+mj-cs"/>
+            </a:defRPr>
+          </a:pPr>
+          <a:endParaRPr lang="zh-CN"/>
+        </a:p>
+      </c:txPr>
+    </c:title>
+    <c:autoTitleDeleted val="0"/>
+    <c:plotArea>
+      <c:layout/>
+      <c:barChart>
+        <c:barDir val="col"/>
+        <c:grouping val="stacked"/>
+        <c:varyColors val="0"/>
+        <c:ser>
+          <c:idx val="0"/>
+          <c:order val="0"/>
+          <c:tx>
+            <c:strRef>
+              <c:f>Sheet1!$B$1</c:f>
+              <c:strCache>
+                <c:ptCount val="1"/>
+                <c:pt idx="0">
+                  <c:v>上周字节数</c:v>
+                </c:pt>
+              </c:strCache>
+            </c:strRef>
+          </c:tx>
+          <c:spPr>
+            <a:solidFill>
+              <a:schemeClr val="accent1"/>
+            </a:solidFill>
+            <a:ln>
+              <a:noFill/>
+            </a:ln>
+            <a:effectLst/>
+          </c:spPr>
+          <c:invertIfNegative val="0"/>
+          <c:cat>
+            <c:strRef>
+              <c:f>Sheet1!$A$2:$A$6</c:f>
+              <c:strCache>
+                <c:ptCount val="5"/>
+                <c:pt idx="0">
+                  <c:v>小组</c:v>
+                </c:pt>
+                <c:pt idx="1">
+                  <c:v>唐天映</c:v>
+                </c:pt>
+                <c:pt idx="2">
+                  <c:v>彭德利</c:v>
+                </c:pt>
+                <c:pt idx="3">
+                  <c:v>张恪易</c:v>
+                </c:pt>
+                <c:pt idx="4">
+                  <c:v>张晨</c:v>
+                </c:pt>
+              </c:strCache>
+            </c:strRef>
+          </c:cat>
+          <c:val>
+            <c:numRef>
+              <c:f>Sheet1!$B$2:$B$6</c:f>
+              <c:numCache>
+                <c:formatCode>General</c:formatCode>
+                <c:ptCount val="5"/>
+                <c:pt idx="0">
+                  <c:v>1435</c:v>
+                </c:pt>
+                <c:pt idx="1">
+                  <c:v>4886</c:v>
+                </c:pt>
+                <c:pt idx="2">
+                  <c:v>7311</c:v>
+                </c:pt>
+                <c:pt idx="3">
+                  <c:v>11563</c:v>
+                </c:pt>
+                <c:pt idx="4">
+                  <c:v>11649</c:v>
+                </c:pt>
+              </c:numCache>
+            </c:numRef>
+          </c:val>
+          <c:extLst>
+            <c:ext xmlns:c16="http://schemas.microsoft.com/office/drawing/2014/chart" uri="{C3380CC4-5D6E-409C-BE32-E72D297353CC}">
+              <c16:uniqueId val="{00000000-2127-4E2A-96C8-5609D25EBBA2}"/>
+            </c:ext>
+          </c:extLst>
+        </c:ser>
+        <c:ser>
+          <c:idx val="1"/>
+          <c:order val="1"/>
+          <c:tx>
+            <c:strRef>
+              <c:f>Sheet1!$C$1</c:f>
+              <c:strCache>
+                <c:ptCount val="1"/>
+                <c:pt idx="0">
+                  <c:v>本周增加字节数</c:v>
+                </c:pt>
+              </c:strCache>
+            </c:strRef>
+          </c:tx>
+          <c:spPr>
+            <a:solidFill>
+              <a:schemeClr val="accent2"/>
+            </a:solidFill>
+            <a:ln>
+              <a:noFill/>
+            </a:ln>
+            <a:effectLst/>
+          </c:spPr>
+          <c:invertIfNegative val="0"/>
+          <c:cat>
+            <c:strRef>
+              <c:f>Sheet1!$A$2:$A$6</c:f>
+              <c:strCache>
+                <c:ptCount val="5"/>
+                <c:pt idx="0">
+                  <c:v>小组</c:v>
+                </c:pt>
+                <c:pt idx="1">
+                  <c:v>唐天映</c:v>
+                </c:pt>
+                <c:pt idx="2">
+                  <c:v>彭德利</c:v>
+                </c:pt>
+                <c:pt idx="3">
+                  <c:v>张恪易</c:v>
+                </c:pt>
+                <c:pt idx="4">
+                  <c:v>张晨</c:v>
+                </c:pt>
+              </c:strCache>
+            </c:strRef>
+          </c:cat>
+          <c:val>
+            <c:numRef>
+              <c:f>Sheet1!$C$2:$C$6</c:f>
+              <c:numCache>
+                <c:formatCode>General</c:formatCode>
+                <c:ptCount val="5"/>
+                <c:pt idx="0">
+                  <c:v>8414</c:v>
+                </c:pt>
+                <c:pt idx="1">
+                  <c:v>217</c:v>
+                </c:pt>
+                <c:pt idx="2">
+                  <c:v>2006</c:v>
+                </c:pt>
+                <c:pt idx="3">
+                  <c:v>3845</c:v>
+                </c:pt>
+                <c:pt idx="4">
+                  <c:v>280</c:v>
+                </c:pt>
+              </c:numCache>
+            </c:numRef>
+          </c:val>
+          <c:extLst>
+            <c:ext xmlns:c16="http://schemas.microsoft.com/office/drawing/2014/chart" uri="{C3380CC4-5D6E-409C-BE32-E72D297353CC}">
+              <c16:uniqueId val="{00000001-2127-4E2A-96C8-5609D25EBBA2}"/>
+            </c:ext>
+          </c:extLst>
+        </c:ser>
+        <c:dLbls>
+          <c:showLegendKey val="0"/>
+          <c:showVal val="0"/>
+          <c:showCatName val="0"/>
+          <c:showSerName val="0"/>
+          <c:showPercent val="0"/>
+          <c:showBubbleSize val="0"/>
+        </c:dLbls>
+        <c:gapWidth val="150"/>
+        <c:overlap val="100"/>
+        <c:axId val="305525344"/>
+        <c:axId val="305524512"/>
+      </c:barChart>
+      <c:catAx>
+        <c:axId val="305525344"/>
+        <c:scaling>
+          <c:orientation val="minMax"/>
+        </c:scaling>
+        <c:delete val="0"/>
+        <c:axPos val="b"/>
+        <c:majorGridlines>
+          <c:spPr>
+            <a:ln w="9525" cap="flat" cmpd="sng" algn="ctr">
+              <a:solidFill>
+                <a:schemeClr val="dk1">
+                  <a:lumMod val="15000"/>
+                  <a:lumOff val="85000"/>
+                </a:schemeClr>
+              </a:solidFill>
+              <a:round/>
+            </a:ln>
+            <a:effectLst/>
+          </c:spPr>
+        </c:majorGridlines>
+        <c:numFmt formatCode="General" sourceLinked="1"/>
+        <c:majorTickMark val="none"/>
+        <c:minorTickMark val="none"/>
+        <c:tickLblPos val="nextTo"/>
+        <c:spPr>
+          <a:noFill/>
+          <a:ln w="9525" cap="flat" cmpd="sng" algn="ctr">
+            <a:solidFill>
+              <a:schemeClr val="dk1">
+                <a:lumMod val="15000"/>
+                <a:lumOff val="85000"/>
+              </a:schemeClr>
+            </a:solidFill>
+            <a:round/>
+          </a:ln>
+          <a:effectLst/>
+        </c:spPr>
+        <c:txPr>
+          <a:bodyPr rot="-60000000" spcFirstLastPara="1" vertOverflow="ellipsis" vert="horz" wrap="square" anchor="ctr" anchorCtr="1"/>
+          <a:lstStyle/>
+          <a:p>
+            <a:pPr>
+              <a:defRPr sz="900" b="0" i="0" u="none" strike="noStrike" kern="1200" cap="none" spc="0" normalizeH="0" baseline="0">
+                <a:solidFill>
+                  <a:schemeClr val="dk1">
+                    <a:lumMod val="65000"/>
+                    <a:lumOff val="35000"/>
+                  </a:schemeClr>
+                </a:solidFill>
+                <a:latin typeface="+mn-lt"/>
+                <a:ea typeface="+mn-ea"/>
+                <a:cs typeface="+mn-cs"/>
+              </a:defRPr>
+            </a:pPr>
+            <a:endParaRPr lang="zh-CN"/>
+          </a:p>
+        </c:txPr>
+        <c:crossAx val="305524512"/>
+        <c:crosses val="autoZero"/>
+        <c:auto val="1"/>
+        <c:lblAlgn val="ctr"/>
+        <c:lblOffset val="100"/>
+        <c:noMultiLvlLbl val="0"/>
+      </c:catAx>
+      <c:valAx>
+        <c:axId val="305524512"/>
+        <c:scaling>
+          <c:orientation val="minMax"/>
+        </c:scaling>
+        <c:delete val="0"/>
+        <c:axPos val="l"/>
+        <c:majorGridlines>
+          <c:spPr>
+            <a:ln w="9525" cap="flat" cmpd="sng" algn="ctr">
+              <a:solidFill>
+                <a:schemeClr val="dk1">
+                  <a:lumMod val="15000"/>
+                  <a:lumOff val="85000"/>
+                </a:schemeClr>
+              </a:solidFill>
+              <a:round/>
+            </a:ln>
+            <a:effectLst/>
+          </c:spPr>
+        </c:majorGridlines>
+        <c:numFmt formatCode="General" sourceLinked="1"/>
+        <c:majorTickMark val="none"/>
+        <c:minorTickMark val="none"/>
+        <c:tickLblPos val="nextTo"/>
+        <c:spPr>
+          <a:noFill/>
+          <a:ln w="9525" cap="flat" cmpd="sng" algn="ctr">
+            <a:solidFill>
+              <a:schemeClr val="dk1">
+                <a:lumMod val="15000"/>
+                <a:lumOff val="85000"/>
+              </a:schemeClr>
+            </a:solidFill>
+            <a:round/>
+          </a:ln>
+          <a:effectLst/>
+        </c:spPr>
+        <c:txPr>
+          <a:bodyPr rot="-60000000" spcFirstLastPara="1" vertOverflow="ellipsis" vert="horz" wrap="square" anchor="ctr" anchorCtr="1"/>
+          <a:lstStyle/>
+          <a:p>
+            <a:pPr>
+              <a:defRPr sz="900" b="0" i="0" u="none" strike="noStrike" kern="1200" baseline="0">
+                <a:solidFill>
+                  <a:schemeClr val="dk1">
+                    <a:lumMod val="65000"/>
+                    <a:lumOff val="35000"/>
+                  </a:schemeClr>
+                </a:solidFill>
+                <a:latin typeface="+mn-lt"/>
+                <a:ea typeface="+mn-ea"/>
+                <a:cs typeface="+mn-cs"/>
+              </a:defRPr>
+            </a:pPr>
+            <a:endParaRPr lang="zh-CN"/>
+          </a:p>
+        </c:txPr>
+        <c:crossAx val="305525344"/>
+        <c:crosses val="autoZero"/>
+        <c:crossBetween val="between"/>
+      </c:valAx>
+      <c:spPr>
+        <a:pattFill prst="ltDnDiag">
+          <a:fgClr>
+            <a:schemeClr val="dk1">
+              <a:lumMod val="15000"/>
+              <a:lumOff val="85000"/>
+            </a:schemeClr>
+          </a:fgClr>
+          <a:bgClr>
+            <a:schemeClr val="lt1"/>
+          </a:bgClr>
+        </a:pattFill>
+        <a:ln>
+          <a:noFill/>
+        </a:ln>
+        <a:effectLst/>
+      </c:spPr>
+    </c:plotArea>
+    <c:legend>
+      <c:legendPos val="b"/>
+      <c:layout/>
+      <c:overlay val="0"/>
+      <c:spPr>
+        <a:noFill/>
+        <a:ln>
+          <a:noFill/>
+        </a:ln>
+        <a:effectLst/>
+      </c:spPr>
+      <c:txPr>
+        <a:bodyPr rot="0" spcFirstLastPara="1" vertOverflow="ellipsis" vert="horz" wrap="square" anchor="ctr" anchorCtr="1"/>
+        <a:lstStyle/>
+        <a:p>
+          <a:pPr>
+            <a:defRPr sz="900" b="0" i="0" u="none" strike="noStrike" kern="1200" baseline="0">
+              <a:solidFill>
+                <a:schemeClr val="dk1">
+                  <a:lumMod val="65000"/>
+                  <a:lumOff val="35000"/>
+                </a:schemeClr>
+              </a:solidFill>
+              <a:latin typeface="+mn-lt"/>
+              <a:ea typeface="+mn-ea"/>
+              <a:cs typeface="+mn-cs"/>
+            </a:defRPr>
+          </a:pPr>
+          <a:endParaRPr lang="zh-CN"/>
+        </a:p>
+      </c:txPr>
+    </c:legend>
+    <c:plotVisOnly val="1"/>
+    <c:dispBlanksAs val="gap"/>
+    <c:showDLblsOverMax val="0"/>
+  </c:chart>
+  <c:spPr>
+    <a:solidFill>
+      <a:schemeClr val="lt1"/>
+    </a:solidFill>
+    <a:ln w="9525" cap="flat" cmpd="sng" algn="ctr">
+      <a:solidFill>
+        <a:schemeClr val="dk1">
+          <a:lumMod val="15000"/>
+          <a:lumOff val="85000"/>
+        </a:schemeClr>
+      </a:solidFill>
+      <a:round/>
+    </a:ln>
+    <a:effectLst/>
+  </c:spPr>
+  <c:txPr>
+    <a:bodyPr/>
+    <a:lstStyle/>
+    <a:p>
+      <a:pPr>
+        <a:defRPr/>
+      </a:pPr>
+      <a:endParaRPr lang="zh-CN"/>
+    </a:p>
+  </c:txPr>
+  <c:externalData r:id="rId3">
+    <c:autoUpdate val="0"/>
+  </c:externalData>
+</c:chartSpace>
+</file>
+
+<file path=ppt/charts/colors1.xml><?xml version="1.0" encoding="utf-8"?>
+<cs:colorStyle xmlns:cs="http://schemas.microsoft.com/office/drawing/2012/chartStyle" xmlns:a="http://schemas.openxmlformats.org/drawingml/2006/main" meth="cycle" id="10">
+  <a:schemeClr val="accent1"/>
+  <a:schemeClr val="accent2"/>
+  <a:schemeClr val="accent3"/>
+  <a:schemeClr val="accent4"/>
+  <a:schemeClr val="accent5"/>
+  <a:schemeClr val="accent6"/>
+  <cs:variation/>
+  <cs:variation>
+    <a:lumMod val="60000"/>
+  </cs:variation>
+  <cs:variation>
+    <a:lumMod val="80000"/>
+    <a:lumOff val="20000"/>
+  </cs:variation>
+  <cs:variation>
+    <a:lumMod val="80000"/>
+  </cs:variation>
+  <cs:variation>
+    <a:lumMod val="60000"/>
+    <a:lumOff val="40000"/>
+  </cs:variation>
+  <cs:variation>
+    <a:lumMod val="50000"/>
+  </cs:variation>
+  <cs:variation>
+    <a:lumMod val="70000"/>
+    <a:lumOff val="30000"/>
+  </cs:variation>
+  <cs:variation>
+    <a:lumMod val="70000"/>
+  </cs:variation>
+  <cs:variation>
+    <a:lumMod val="50000"/>
+    <a:lumOff val="50000"/>
+  </cs:variation>
+</cs:colorStyle>
+</file>
+
+<file path=ppt/charts/style1.xml><?xml version="1.0" encoding="utf-8"?>
+<cs:chartStyle xmlns:cs="http://schemas.microsoft.com/office/drawing/2012/chartStyle" xmlns:a="http://schemas.openxmlformats.org/drawingml/2006/main" id="303">
+  <cs:axisTitle>
+    <cs:lnRef idx="0"/>
+    <cs:fillRef idx="0"/>
+    <cs:effectRef idx="0"/>
+    <cs:fontRef idx="minor">
+      <a:schemeClr val="dk1">
+        <a:lumMod val="65000"/>
+        <a:lumOff val="35000"/>
+      </a:schemeClr>
+    </cs:fontRef>
+    <cs:defRPr sz="900" b="1" kern="1200"/>
+  </cs:axisTitle>
+  <cs:categoryAxis>
+    <cs:lnRef idx="0"/>
+    <cs:fillRef idx="0"/>
+    <cs:effectRef idx="0"/>
+    <cs:fontRef idx="minor">
+      <a:schemeClr val="dk1">
+        <a:lumMod val="65000"/>
+        <a:lumOff val="35000"/>
+      </a:schemeClr>
+    </cs:fontRef>
+    <cs:spPr>
+      <a:ln w="9525" cap="flat" cmpd="sng" algn="ctr">
+        <a:solidFill>
+          <a:schemeClr val="dk1">
+            <a:lumMod val="15000"/>
+            <a:lumOff val="85000"/>
+          </a:schemeClr>
+        </a:solidFill>
+        <a:round/>
+      </a:ln>
+    </cs:spPr>
+    <cs:defRPr sz="900" kern="1200" cap="none" spc="0" normalizeH="0" baseline="0"/>
+  </cs:categoryAxis>
+  <cs:chartArea>
+    <cs:lnRef idx="0"/>
+    <cs:fillRef idx="0"/>
+    <cs:effectRef idx="0"/>
+    <cs:fontRef idx="minor">
+      <a:schemeClr val="dk1"/>
+    </cs:fontRef>
+    <cs:spPr>
+      <a:solidFill>
+        <a:schemeClr val="lt1"/>
+      </a:solidFill>
+      <a:ln w="9525" cap="flat" cmpd="sng" algn="ctr">
+        <a:solidFill>
+          <a:schemeClr val="dk1">
+            <a:lumMod val="15000"/>
+            <a:lumOff val="85000"/>
+          </a:schemeClr>
+        </a:solidFill>
+        <a:round/>
+      </a:ln>
+    </cs:spPr>
+    <cs:defRPr sz="900" kern="1200"/>
+  </cs:chartArea>
+  <cs:dataLabel>
+    <cs:lnRef idx="0"/>
+    <cs:fillRef idx="0"/>
+    <cs:effectRef idx="0"/>
+    <cs:fontRef idx="minor">
+      <a:schemeClr val="dk1">
+        <a:lumMod val="75000"/>
+        <a:lumOff val="25000"/>
+      </a:schemeClr>
+    </cs:fontRef>
+    <cs:defRPr sz="900" kern="1200"/>
+  </cs:dataLabel>
+  <cs:dataLabelCallout>
+    <cs:lnRef idx="0"/>
+    <cs:fillRef idx="0"/>
+    <cs:effectRef idx="0"/>
+    <cs:fontRef idx="minor">
+      <a:schemeClr val="dk1">
+        <a:lumMod val="65000"/>
+        <a:lumOff val="35000"/>
+      </a:schemeClr>
+    </cs:fontRef>
+    <cs:spPr>
+      <a:solidFill>
+        <a:schemeClr val="lt1"/>
+      </a:solidFill>
+      <a:ln>
+        <a:solidFill>
+          <a:schemeClr val="dk1">
+            <a:lumMod val="25000"/>
+            <a:lumOff val="75000"/>
+          </a:schemeClr>
+        </a:solidFill>
+      </a:ln>
+    </cs:spPr>
+    <cs:defRPr sz="900" kern="1200"/>
+    <cs:bodyPr rot="0" spcFirstLastPara="1" vertOverflow="clip" horzOverflow="clip" vert="horz" wrap="square" lIns="36576" tIns="18288" rIns="36576" bIns="18288" anchor="ctr" anchorCtr="1">
+      <a:spAutoFit/>
+    </cs:bodyPr>
+  </cs:dataLabelCallout>
+  <cs:dataPoint>
+    <cs:lnRef idx="0"/>
+    <cs:fillRef idx="0">
+      <cs:styleClr val="auto"/>
+    </cs:fillRef>
+    <cs:effectRef idx="0"/>
+    <cs:fontRef idx="minor">
+      <a:schemeClr val="dk1"/>
+    </cs:fontRef>
+    <cs:spPr>
+      <a:solidFill>
+        <a:schemeClr val="phClr"/>
+      </a:solidFill>
+    </cs:spPr>
+  </cs:dataPoint>
+  <cs:dataPoint3D>
+    <cs:lnRef idx="0"/>
+    <cs:fillRef idx="0">
+      <cs:styleClr val="auto"/>
+    </cs:fillRef>
+    <cs:effectRef idx="0"/>
+    <cs:fontRef idx="minor">
+      <a:schemeClr val="dk1"/>
+    </cs:fontRef>
+    <cs:spPr>
+      <a:solidFill>
+        <a:schemeClr val="phClr"/>
+      </a:solidFill>
+    </cs:spPr>
+  </cs:dataPoint3D>
+  <cs:dataPointLine>
+    <cs:lnRef idx="0">
+      <cs:styleClr val="auto"/>
+    </cs:lnRef>
+    <cs:fillRef idx="0"/>
+    <cs:effectRef idx="0"/>
+    <cs:fontRef idx="minor">
+      <a:schemeClr val="dk1"/>
+    </cs:fontRef>
+    <cs:spPr>
+      <a:ln w="22225" cap="rnd">
+        <a:solidFill>
+          <a:schemeClr val="phClr"/>
+        </a:solidFill>
+        <a:round/>
+      </a:ln>
+    </cs:spPr>
+  </cs:dataPointLine>
+  <cs:dataPointMarker>
+    <cs:lnRef idx="0">
+      <cs:styleClr val="auto"/>
+    </cs:lnRef>
+    <cs:fillRef idx="0">
+      <cs:styleClr val="auto"/>
+    </cs:fillRef>
+    <cs:effectRef idx="0"/>
+    <cs:fontRef idx="minor">
+      <a:schemeClr val="dk1"/>
+    </cs:fontRef>
+    <cs:spPr>
+      <a:solidFill>
+        <a:schemeClr val="lt1"/>
+      </a:solidFill>
+      <a:ln w="15875">
+        <a:solidFill>
+          <a:schemeClr val="phClr"/>
+        </a:solidFill>
+        <a:round/>
+      </a:ln>
+    </cs:spPr>
+  </cs:dataPointMarker>
+  <cs:dataPointMarkerLayout symbol="circle" size="6"/>
+  <cs:dataPointWireframe>
+    <cs:lnRef idx="0">
+      <cs:styleClr val="auto"/>
+    </cs:lnRef>
+    <cs:fillRef idx="0"/>
+    <cs:effectRef idx="0"/>
+    <cs:fontRef idx="minor">
+      <a:schemeClr val="dk1"/>
+    </cs:fontRef>
+    <cs:spPr>
+      <a:ln w="9525" cap="rnd">
+        <a:solidFill>
+          <a:schemeClr val="phClr"/>
+        </a:solidFill>
+        <a:round/>
+      </a:ln>
+    </cs:spPr>
+  </cs:dataPointWireframe>
+  <cs:dataTable>
+    <cs:lnRef idx="0"/>
+    <cs:fillRef idx="0"/>
+    <cs:effectRef idx="0"/>
+    <cs:fontRef idx="minor">
+      <a:schemeClr val="dk1">
+        <a:lumMod val="65000"/>
+        <a:lumOff val="35000"/>
+      </a:schemeClr>
+    </cs:fontRef>
+    <cs:spPr>
+      <a:ln w="9525" cap="flat" cmpd="sng" algn="ctr">
+        <a:solidFill>
+          <a:schemeClr val="dk1">
+            <a:lumMod val="15000"/>
+            <a:lumOff val="85000"/>
+          </a:schemeClr>
+        </a:solidFill>
+        <a:round/>
+      </a:ln>
+    </cs:spPr>
+    <cs:defRPr sz="800" kern="1200"/>
+  </cs:dataTable>
+  <cs:downBar>
+    <cs:lnRef idx="0"/>
+    <cs:fillRef idx="0"/>
+    <cs:effectRef idx="0"/>
+    <cs:fontRef idx="minor">
+      <a:schemeClr val="dk1"/>
+    </cs:fontRef>
+    <cs:spPr>
+      <a:solidFill>
+        <a:schemeClr val="dk1">
+          <a:lumMod val="75000"/>
+          <a:lumOff val="25000"/>
+        </a:schemeClr>
+      </a:solidFill>
+      <a:ln w="9525" cap="flat" cmpd="sng" algn="ctr">
+        <a:solidFill>
+          <a:schemeClr val="dk1">
+            <a:lumMod val="50000"/>
+            <a:lumOff val="50000"/>
+          </a:schemeClr>
+        </a:solidFill>
+        <a:round/>
+      </a:ln>
+    </cs:spPr>
+  </cs:downBar>
+  <cs:dropLine>
+    <cs:lnRef idx="0"/>
+    <cs:fillRef idx="0"/>
+    <cs:effectRef idx="0"/>
+    <cs:fontRef idx="minor">
+      <a:schemeClr val="dk1"/>
+    </cs:fontRef>
+    <cs:spPr>
+      <a:ln w="9525" cap="flat" cmpd="sng" algn="ctr">
+        <a:solidFill>
+          <a:schemeClr val="dk1">
+            <a:lumMod val="35000"/>
+            <a:lumOff val="65000"/>
+          </a:schemeClr>
+        </a:solidFill>
+        <a:round/>
+      </a:ln>
+    </cs:spPr>
+  </cs:dropLine>
+  <cs:errorBar>
+    <cs:lnRef idx="0"/>
+    <cs:fillRef idx="0"/>
+    <cs:effectRef idx="0"/>
+    <cs:fontRef idx="minor">
+      <a:schemeClr val="dk1"/>
+    </cs:fontRef>
+    <cs:spPr>
+      <a:ln w="9525" cap="flat" cmpd="sng" algn="ctr">
+        <a:solidFill>
+          <a:schemeClr val="dk1">
+            <a:lumMod val="50000"/>
+            <a:lumOff val="50000"/>
+          </a:schemeClr>
+        </a:solidFill>
+        <a:round/>
+      </a:ln>
+    </cs:spPr>
+  </cs:errorBar>
+  <cs:floor>
+    <cs:lnRef idx="0"/>
+    <cs:fillRef idx="0"/>
+    <cs:effectRef idx="0"/>
+    <cs:fontRef idx="minor">
+      <a:schemeClr val="dk1"/>
+    </cs:fontRef>
+    <cs:spPr>
+      <a:pattFill prst="ltDnDiag">
+        <a:fgClr>
+          <a:schemeClr val="dk1">
+            <a:lumMod val="15000"/>
+            <a:lumOff val="85000"/>
+          </a:schemeClr>
+        </a:fgClr>
+        <a:bgClr>
+          <a:schemeClr val="lt1"/>
+        </a:bgClr>
+      </a:pattFill>
+    </cs:spPr>
+  </cs:floor>
+  <cs:gridlineMajor>
+    <cs:lnRef idx="0"/>
+    <cs:fillRef idx="0"/>
+    <cs:effectRef idx="0"/>
+    <cs:fontRef idx="minor">
+      <a:schemeClr val="dk1"/>
+    </cs:fontRef>
+    <cs:spPr>
+      <a:ln w="9525" cap="flat" cmpd="sng" algn="ctr">
+        <a:solidFill>
+          <a:schemeClr val="dk1">
+            <a:lumMod val="15000"/>
+            <a:lumOff val="85000"/>
+          </a:schemeClr>
+        </a:solidFill>
+        <a:round/>
+      </a:ln>
+    </cs:spPr>
+  </cs:gridlineMajor>
+  <cs:gridlineMinor>
+    <cs:lnRef idx="0"/>
+    <cs:fillRef idx="0"/>
+    <cs:effectRef idx="0"/>
+    <cs:fontRef idx="minor">
+      <a:schemeClr val="dk1"/>
+    </cs:fontRef>
+    <cs:spPr>
+      <a:ln w="9525" cap="flat" cmpd="sng" algn="ctr">
+        <a:solidFill>
+          <a:schemeClr val="dk1">
+            <a:lumMod val="5000"/>
+            <a:lumOff val="95000"/>
+          </a:schemeClr>
+        </a:solidFill>
+        <a:round/>
+      </a:ln>
+    </cs:spPr>
+  </cs:gridlineMinor>
+  <cs:hiLoLine>
+    <cs:lnRef idx="0"/>
+    <cs:fillRef idx="0"/>
+    <cs:effectRef idx="0"/>
+    <cs:fontRef idx="minor">
+      <a:schemeClr val="dk1"/>
+    </cs:fontRef>
+    <cs:spPr>
+      <a:ln w="9525" cap="flat" cmpd="sng" algn="ctr">
+        <a:solidFill>
+          <a:schemeClr val="dk1">
+            <a:lumMod val="35000"/>
+            <a:lumOff val="65000"/>
+          </a:schemeClr>
+        </a:solidFill>
+        <a:round/>
+      </a:ln>
+    </cs:spPr>
+  </cs:hiLoLine>
+  <cs:leaderLine>
+    <cs:lnRef idx="0"/>
+    <cs:fillRef idx="0"/>
+    <cs:effectRef idx="0"/>
+    <cs:fontRef idx="minor">
+      <a:schemeClr val="dk1"/>
+    </cs:fontRef>
+    <cs:spPr>
+      <a:ln w="9525" cap="flat" cmpd="sng" algn="ctr">
+        <a:solidFill>
+          <a:schemeClr val="dk1">
+            <a:lumMod val="35000"/>
+            <a:lumOff val="65000"/>
+          </a:schemeClr>
+        </a:solidFill>
+        <a:round/>
+      </a:ln>
+    </cs:spPr>
+  </cs:leaderLine>
+  <cs:legend>
+    <cs:lnRef idx="0"/>
+    <cs:fillRef idx="0"/>
+    <cs:effectRef idx="0"/>
+    <cs:fontRef idx="minor">
+      <a:schemeClr val="dk1">
+        <a:lumMod val="65000"/>
+        <a:lumOff val="35000"/>
+      </a:schemeClr>
+    </cs:fontRef>
+    <cs:defRPr sz="900" kern="1200"/>
+  </cs:legend>
+  <cs:plotArea>
+    <cs:lnRef idx="0"/>
+    <cs:fillRef idx="0"/>
+    <cs:effectRef idx="0"/>
+    <cs:fontRef idx="minor">
+      <a:schemeClr val="dk1"/>
+    </cs:fontRef>
+    <cs:spPr>
+      <a:pattFill prst="ltDnDiag">
+        <a:fgClr>
+          <a:schemeClr val="dk1">
+            <a:lumMod val="15000"/>
+            <a:lumOff val="85000"/>
+          </a:schemeClr>
+        </a:fgClr>
+        <a:bgClr>
+          <a:schemeClr val="lt1"/>
+        </a:bgClr>
+      </a:pattFill>
+    </cs:spPr>
+  </cs:plotArea>
+  <cs:plotArea3D>
+    <cs:lnRef idx="0"/>
+    <cs:fillRef idx="0"/>
+    <cs:effectRef idx="0"/>
+    <cs:fontRef idx="minor">
+      <a:schemeClr val="dk1"/>
+    </cs:fontRef>
+    <cs:spPr>
+      <a:solidFill>
+        <a:schemeClr val="lt1"/>
+      </a:solidFill>
+    </cs:spPr>
+  </cs:plotArea3D>
+  <cs:seriesAxis>
+    <cs:lnRef idx="0"/>
+    <cs:fillRef idx="0"/>
+    <cs:effectRef idx="0"/>
+    <cs:fontRef idx="minor">
+      <a:schemeClr val="dk1">
+        <a:lumMod val="65000"/>
+        <a:lumOff val="35000"/>
+      </a:schemeClr>
+    </cs:fontRef>
+    <cs:spPr>
+      <a:ln w="9525" cap="flat" cmpd="sng" algn="ctr">
+        <a:solidFill>
+          <a:schemeClr val="dk1">
+            <a:lumMod val="15000"/>
+            <a:lumOff val="85000"/>
+          </a:schemeClr>
+        </a:solidFill>
+        <a:round/>
+      </a:ln>
+    </cs:spPr>
+    <cs:defRPr sz="900" kern="1200"/>
+  </cs:seriesAxis>
+  <cs:seriesLine>
+    <cs:lnRef idx="0"/>
+    <cs:fillRef idx="0"/>
+    <cs:effectRef idx="0"/>
+    <cs:fontRef idx="minor">
+      <a:schemeClr val="dk1"/>
+    </cs:fontRef>
+    <cs:spPr>
+      <a:ln w="9525" cap="flat" cmpd="sng" algn="ctr">
+        <a:solidFill>
+          <a:schemeClr val="dk1">
+            <a:lumMod val="35000"/>
+            <a:lumOff val="65000"/>
+          </a:schemeClr>
+        </a:solidFill>
+        <a:round/>
+      </a:ln>
+    </cs:spPr>
+  </cs:seriesLine>
+  <cs:title>
+    <cs:lnRef idx="0"/>
+    <cs:fillRef idx="0"/>
+    <cs:effectRef idx="0"/>
+    <cs:fontRef idx="major">
+      <a:schemeClr val="dk1">
+        <a:lumMod val="50000"/>
+        <a:lumOff val="50000"/>
+      </a:schemeClr>
+    </cs:fontRef>
+    <cs:defRPr sz="1600" b="1" kern="1200" cap="none" spc="0" normalizeH="0" baseline="0"/>
+  </cs:title>
+  <cs:trendline>
+    <cs:lnRef idx="0">
+      <cs:styleClr val="auto"/>
+    </cs:lnRef>
+    <cs:fillRef idx="0"/>
+    <cs:effectRef idx="0"/>
+    <cs:fontRef idx="minor">
+      <a:schemeClr val="dk1"/>
+    </cs:fontRef>
+    <cs:spPr>
+      <a:ln w="19050" cap="rnd">
+        <a:solidFill>
+          <a:schemeClr val="phClr"/>
+        </a:solidFill>
+      </a:ln>
+    </cs:spPr>
+  </cs:trendline>
+  <cs:trendlineLabel>
+    <cs:lnRef idx="0"/>
+    <cs:fillRef idx="0"/>
+    <cs:effectRef idx="0"/>
+    <cs:fontRef idx="minor">
+      <a:schemeClr val="dk1">
+        <a:lumMod val="65000"/>
+        <a:lumOff val="35000"/>
+      </a:schemeClr>
+    </cs:fontRef>
+    <cs:defRPr sz="900" kern="1200"/>
+  </cs:trendlineLabel>
+  <cs:upBar>
+    <cs:lnRef idx="0"/>
+    <cs:fillRef idx="0"/>
+    <cs:effectRef idx="0"/>
+    <cs:fontRef idx="minor">
+      <a:schemeClr val="dk1"/>
+    </cs:fontRef>
+    <cs:spPr>
+      <a:solidFill>
+        <a:schemeClr val="lt1"/>
+      </a:solidFill>
+      <a:ln w="9525" cap="flat" cmpd="sng" algn="ctr">
+        <a:solidFill>
+          <a:schemeClr val="dk1">
+            <a:lumMod val="50000"/>
+            <a:lumOff val="50000"/>
+          </a:schemeClr>
+        </a:solidFill>
+        <a:round/>
+      </a:ln>
+    </cs:spPr>
+  </cs:upBar>
+  <cs:valueAxis>
+    <cs:lnRef idx="0"/>
+    <cs:fillRef idx="0"/>
+    <cs:effectRef idx="0"/>
+    <cs:fontRef idx="minor">
+      <a:schemeClr val="dk1">
+        <a:lumMod val="65000"/>
+        <a:lumOff val="35000"/>
+      </a:schemeClr>
+    </cs:fontRef>
+    <cs:spPr>
+      <a:ln w="9525" cap="flat" cmpd="sng" algn="ctr">
+        <a:solidFill>
+          <a:schemeClr val="dk1">
+            <a:lumMod val="15000"/>
+            <a:lumOff val="85000"/>
+          </a:schemeClr>
+        </a:solidFill>
+        <a:round/>
+      </a:ln>
+    </cs:spPr>
+    <cs:defRPr sz="900" kern="1200"/>
+  </cs:valueAxis>
+  <cs:wall>
+    <cs:lnRef idx="0"/>
+    <cs:fillRef idx="0"/>
+    <cs:effectRef idx="0"/>
+    <cs:fontRef idx="minor">
+      <a:schemeClr val="dk1"/>
+    </cs:fontRef>
+    <cs:spPr>
+      <a:pattFill prst="ltDnDiag">
+        <a:fgClr>
+          <a:schemeClr val="dk1">
+            <a:lumMod val="15000"/>
+            <a:lumOff val="85000"/>
+          </a:schemeClr>
+        </a:fgClr>
+        <a:bgClr>
+          <a:schemeClr val="lt1"/>
+        </a:bgClr>
+      </a:pattFill>
+    </cs:spPr>
+  </cs:wall>
+</cs:chartStyle>
 </file>
 
 <file path=ppt/diagrams/colors1.xml><?xml version="1.0" encoding="utf-8"?>
@@ -2170,8 +3261,8 @@
     <dgm:cxn modelId="{0FF529A8-56E4-4859-AD7B-946AAFD41D27}" type="presOf" srcId="{BDF85E73-A8EB-4A70-B17D-128A2C0489D4}" destId="{8910FE79-C8A6-4673-AC17-E82A107C5B80}" srcOrd="0" destOrd="2" presId="urn:microsoft.com/office/officeart/2005/8/layout/process3"/>
     <dgm:cxn modelId="{776B0168-0875-4BE6-9CB4-3A2D7C209330}" srcId="{FD5D7C33-5B40-4D2D-99C8-FDCD8145A005}" destId="{49B5A52F-98BC-44F6-AF2F-91AAD82698E5}" srcOrd="1" destOrd="0" parTransId="{2A51BE62-FD7A-4CA2-80A0-9BC4C2868D35}" sibTransId="{F8F23646-2814-4D74-8554-1548AFA2FE2A}"/>
     <dgm:cxn modelId="{B363A496-C46A-4EAD-9F7F-C3156D1616E9}" type="presOf" srcId="{99404280-CF2D-4307-8490-3FA43639810E}" destId="{63A66173-B8AE-42BE-B943-75C51D4ADF2D}" srcOrd="0" destOrd="3" presId="urn:microsoft.com/office/officeart/2005/8/layout/process3"/>
+    <dgm:cxn modelId="{D3E3131B-D328-4741-85B9-40128CD27EDA}" srcId="{436265AB-5390-49EF-9C63-9544117A7036}" destId="{9052052F-38A7-4201-B112-CA14C9C8815A}" srcOrd="1" destOrd="0" parTransId="{033DE8E8-09B3-49BD-8710-606E7D30ECFE}" sibTransId="{1673962B-9B2E-4750-9E62-ACDA23AE2482}"/>
     <dgm:cxn modelId="{E32E827B-F0B3-4894-9F54-2089CA706BEA}" type="presOf" srcId="{0C160F14-3E4B-45AF-9158-0B1FF390997D}" destId="{4F62ACB9-6EB3-46D3-88CE-775A05A10893}" srcOrd="0" destOrd="0" presId="urn:microsoft.com/office/officeart/2005/8/layout/process3"/>
-    <dgm:cxn modelId="{D3E3131B-D328-4741-85B9-40128CD27EDA}" srcId="{436265AB-5390-49EF-9C63-9544117A7036}" destId="{9052052F-38A7-4201-B112-CA14C9C8815A}" srcOrd="1" destOrd="0" parTransId="{033DE8E8-09B3-49BD-8710-606E7D30ECFE}" sibTransId="{1673962B-9B2E-4750-9E62-ACDA23AE2482}"/>
     <dgm:cxn modelId="{F5C08C81-AD72-4715-BED0-B26520D8E0F2}" srcId="{FD5D7C33-5B40-4D2D-99C8-FDCD8145A005}" destId="{5A0C7119-A1BD-48D1-9C85-11D77F31FD13}" srcOrd="5" destOrd="0" parTransId="{58CC2421-0972-4E54-8350-831047A979C0}" sibTransId="{4AB4685F-BC4D-4536-A688-2929EA53B112}"/>
     <dgm:cxn modelId="{6680EFAD-814C-443B-942C-2484603330A1}" type="presOf" srcId="{DFFB30B2-6DC5-4B93-87CB-AE0B143499C6}" destId="{2C46FF0A-16C6-43CC-88D4-3D3069BEDAEF}" srcOrd="0" destOrd="1" presId="urn:microsoft.com/office/officeart/2005/8/layout/process3"/>
     <dgm:cxn modelId="{8ACD4300-5B50-46E0-854E-B62509487159}" srcId="{436265AB-5390-49EF-9C63-9544117A7036}" destId="{0C160F14-3E4B-45AF-9158-0B1FF390997D}" srcOrd="2" destOrd="0" parTransId="{59011C91-C7A1-414A-938D-62A041C25E6D}" sibTransId="{C1EFF36B-D73F-433C-911B-0853FCE89D5F}"/>
@@ -8701,11 +9792,7 @@
             </a:r>
             <a:r>
               <a:rPr lang="zh-CN" altLang="en-US" sz="7200" dirty="0" smtClean="0"/>
-              <a:t>小组</a:t>
-            </a:r>
-            <a:r>
-              <a:rPr lang="zh-CN" altLang="en-US" sz="7200" dirty="0" smtClean="0"/>
-              <a:t>第</a:t>
+              <a:t>小组第</a:t>
             </a:r>
             <a:r>
               <a:rPr lang="en-US" altLang="zh-CN" sz="7200" dirty="0" smtClean="0"/>
@@ -8713,11 +9800,7 @@
             </a:r>
             <a:r>
               <a:rPr lang="zh-CN" altLang="en-US" sz="7200" dirty="0" smtClean="0"/>
-              <a:t>周</a:t>
-            </a:r>
-            <a:r>
-              <a:rPr lang="zh-CN" altLang="en-US" sz="7200" dirty="0" smtClean="0"/>
-              <a:t>工作汇报</a:t>
+              <a:t>周工作汇报</a:t>
             </a:r>
             <a:endParaRPr lang="zh-CN" altLang="en-US" sz="7200" dirty="0"/>
           </a:p>
@@ -13255,7 +14338,7 @@
             <p:ph idx="1"/>
             <p:extLst>
               <p:ext uri="{D42A27DB-BD31-4B8C-83A1-F6EECF244321}">
-                <p14:modId xmlns:p14="http://schemas.microsoft.com/office/powerpoint/2010/main" val="596434244"/>
+                <p14:modId xmlns:p14="http://schemas.microsoft.com/office/powerpoint/2010/main" val="2952341620"/>
               </p:ext>
             </p:extLst>
           </p:nvPr>
@@ -13417,9 +14500,27 @@
                     <a:bodyPr/>
                     <a:lstStyle/>
                     <a:p>
-                      <a:endParaRPr lang="zh-CN" altLang="en-US" dirty="0">
-                        <a:latin typeface="仿宋_GB2312" panose="02010609030101010101" pitchFamily="49" charset="-122"/>
-                        <a:ea typeface="仿宋_GB2312" panose="02010609030101010101" pitchFamily="49" charset="-122"/>
+                      <a:pPr algn="ctr"/>
+                      <a:r>
+                        <a:rPr lang="en-US" altLang="zh-CN" sz="1800" b="0" i="0" u="none" strike="noStrike" kern="1200" dirty="0" smtClean="0">
+                          <a:solidFill>
+                            <a:srgbClr val="000000"/>
+                          </a:solidFill>
+                          <a:effectLst/>
+                          <a:latin typeface="+mn-ea"/>
+                          <a:ea typeface="+mn-ea"/>
+                          <a:cs typeface="+mn-cs"/>
+                        </a:rPr>
+                        <a:t>1435</a:t>
+                      </a:r>
+                      <a:endParaRPr lang="zh-CN" altLang="en-US" sz="1800" b="0" i="0" u="none" strike="noStrike" kern="1200" dirty="0">
+                        <a:solidFill>
+                          <a:srgbClr val="000000"/>
+                        </a:solidFill>
+                        <a:effectLst/>
+                        <a:latin typeface="+mn-ea"/>
+                        <a:ea typeface="+mn-ea"/>
+                        <a:cs typeface="+mn-cs"/>
                       </a:endParaRPr>
                     </a:p>
                   </a:txBody>
@@ -13430,9 +14531,27 @@
                     <a:bodyPr/>
                     <a:lstStyle/>
                     <a:p>
-                      <a:endParaRPr lang="zh-CN" altLang="en-US" dirty="0">
-                        <a:latin typeface="仿宋_GB2312" panose="02010609030101010101" pitchFamily="49" charset="-122"/>
-                        <a:ea typeface="仿宋_GB2312" panose="02010609030101010101" pitchFamily="49" charset="-122"/>
+                      <a:pPr algn="ctr"/>
+                      <a:r>
+                        <a:rPr lang="en-US" altLang="zh-CN" sz="1800" b="0" i="0" u="none" strike="noStrike" kern="1200" dirty="0" smtClean="0">
+                          <a:solidFill>
+                            <a:srgbClr val="000000"/>
+                          </a:solidFill>
+                          <a:effectLst/>
+                          <a:latin typeface="+mn-ea"/>
+                          <a:ea typeface="+mn-ea"/>
+                          <a:cs typeface="+mn-cs"/>
+                        </a:rPr>
+                        <a:t>9919</a:t>
+                      </a:r>
+                      <a:endParaRPr lang="zh-CN" altLang="en-US" sz="1800" b="0" i="0" u="none" strike="noStrike" kern="1200" dirty="0">
+                        <a:solidFill>
+                          <a:srgbClr val="000000"/>
+                        </a:solidFill>
+                        <a:effectLst/>
+                        <a:latin typeface="+mn-ea"/>
+                        <a:ea typeface="+mn-ea"/>
+                        <a:cs typeface="+mn-cs"/>
                       </a:endParaRPr>
                     </a:p>
                   </a:txBody>
@@ -13443,9 +14562,27 @@
                     <a:bodyPr/>
                     <a:lstStyle/>
                     <a:p>
-                      <a:endParaRPr lang="zh-CN" altLang="en-US" dirty="0">
-                        <a:latin typeface="仿宋_GB2312" panose="02010609030101010101" pitchFamily="49" charset="-122"/>
-                        <a:ea typeface="仿宋_GB2312" panose="02010609030101010101" pitchFamily="49" charset="-122"/>
+                      <a:pPr algn="ctr"/>
+                      <a:r>
+                        <a:rPr lang="en-US" altLang="zh-CN" sz="1800" b="0" i="0" u="none" strike="noStrike" kern="1200" dirty="0" smtClean="0">
+                          <a:solidFill>
+                            <a:srgbClr val="000000"/>
+                          </a:solidFill>
+                          <a:effectLst/>
+                          <a:latin typeface="+mn-ea"/>
+                          <a:ea typeface="+mn-ea"/>
+                          <a:cs typeface="+mn-cs"/>
+                        </a:rPr>
+                        <a:t>8414</a:t>
+                      </a:r>
+                      <a:endParaRPr lang="zh-CN" altLang="en-US" sz="1800" b="0" i="0" u="none" strike="noStrike" kern="1200" dirty="0">
+                        <a:solidFill>
+                          <a:srgbClr val="000000"/>
+                        </a:solidFill>
+                        <a:effectLst/>
+                        <a:latin typeface="+mn-ea"/>
+                        <a:ea typeface="+mn-ea"/>
+                        <a:cs typeface="+mn-cs"/>
                       </a:endParaRPr>
                     </a:p>
                   </a:txBody>
@@ -13483,39 +14620,65 @@
                     <a:bodyPr/>
                     <a:lstStyle/>
                     <a:p>
-                      <a:endParaRPr lang="zh-CN" altLang="en-US" dirty="0">
-                        <a:latin typeface="仿宋_GB2312" panose="02010609030101010101" pitchFamily="49" charset="-122"/>
-                        <a:ea typeface="仿宋_GB2312" panose="02010609030101010101" pitchFamily="49" charset="-122"/>
-                      </a:endParaRPr>
+                      <a:pPr algn="ctr" fontAlgn="ctr"/>
+                      <a:r>
+                        <a:rPr lang="en-US" altLang="zh-CN" sz="1800" b="0" i="0" u="none" strike="noStrike" dirty="0">
+                          <a:solidFill>
+                            <a:srgbClr val="000000"/>
+                          </a:solidFill>
+                          <a:effectLst/>
+                          <a:latin typeface="+mn-ea"/>
+                          <a:ea typeface="+mn-ea"/>
+                        </a:rPr>
+                        <a:t>4886</a:t>
+                      </a:r>
                     </a:p>
                   </a:txBody>
-                  <a:tcPr anchor="ctr" anchorCtr="1"/>
+                  <a:tcPr marL="9525" marR="9525" marT="9525" marB="0" anchor="ctr"/>
                 </a:tc>
                 <a:tc>
                   <a:txBody>
                     <a:bodyPr/>
                     <a:lstStyle/>
                     <a:p>
-                      <a:endParaRPr lang="zh-CN" altLang="en-US" dirty="0">
-                        <a:latin typeface="仿宋_GB2312" panose="02010609030101010101" pitchFamily="49" charset="-122"/>
-                        <a:ea typeface="仿宋_GB2312" panose="02010609030101010101" pitchFamily="49" charset="-122"/>
-                      </a:endParaRPr>
+                      <a:pPr algn="ctr" fontAlgn="ctr"/>
+                      <a:r>
+                        <a:rPr lang="en-US" altLang="zh-CN" sz="1800" b="0" i="0" u="none" strike="noStrike" kern="1200" dirty="0">
+                          <a:solidFill>
+                            <a:srgbClr val="000000"/>
+                          </a:solidFill>
+                          <a:effectLst/>
+                          <a:latin typeface="+mn-ea"/>
+                          <a:ea typeface="+mn-ea"/>
+                          <a:cs typeface="+mn-cs"/>
+                        </a:rPr>
+                        <a:t>5103</a:t>
+                      </a:r>
                     </a:p>
                   </a:txBody>
-                  <a:tcPr anchor="ctr" anchorCtr="1"/>
+                  <a:tcPr marL="9525" marR="9525" marT="9525" marB="0" anchor="ctr"/>
                 </a:tc>
                 <a:tc>
                   <a:txBody>
                     <a:bodyPr/>
                     <a:lstStyle/>
                     <a:p>
-                      <a:endParaRPr lang="zh-CN" altLang="en-US" dirty="0">
-                        <a:latin typeface="仿宋_GB2312" panose="02010609030101010101" pitchFamily="49" charset="-122"/>
-                        <a:ea typeface="仿宋_GB2312" panose="02010609030101010101" pitchFamily="49" charset="-122"/>
-                      </a:endParaRPr>
+                      <a:pPr algn="ctr" fontAlgn="ctr"/>
+                      <a:r>
+                        <a:rPr lang="en-US" altLang="zh-CN" sz="1800" b="0" i="0" u="none" strike="noStrike" kern="1200" dirty="0">
+                          <a:solidFill>
+                            <a:srgbClr val="000000"/>
+                          </a:solidFill>
+                          <a:effectLst/>
+                          <a:latin typeface="+mn-ea"/>
+                          <a:ea typeface="+mn-ea"/>
+                          <a:cs typeface="+mn-cs"/>
+                        </a:rPr>
+                        <a:t>217</a:t>
+                      </a:r>
                     </a:p>
                   </a:txBody>
-                  <a:tcPr anchor="ctr" anchorCtr="1"/>
+                  <a:tcPr marL="9525" marR="9525" marT="9525" marB="0" anchor="ctr"/>
                 </a:tc>
                 <a:extLst>
                   <a:ext uri="{0D108BD9-81ED-4DB2-BD59-A6C34878D82A}">
@@ -13549,39 +14712,65 @@
                     <a:bodyPr/>
                     <a:lstStyle/>
                     <a:p>
-                      <a:endParaRPr lang="zh-CN" altLang="en-US" dirty="0">
-                        <a:latin typeface="仿宋_GB2312" panose="02010609030101010101" pitchFamily="49" charset="-122"/>
-                        <a:ea typeface="仿宋_GB2312" panose="02010609030101010101" pitchFamily="49" charset="-122"/>
-                      </a:endParaRPr>
+                      <a:pPr algn="ctr" fontAlgn="ctr"/>
+                      <a:r>
+                        <a:rPr lang="en-US" altLang="zh-CN" sz="1800" b="0" i="0" u="none" strike="noStrike" dirty="0">
+                          <a:solidFill>
+                            <a:srgbClr val="000000"/>
+                          </a:solidFill>
+                          <a:effectLst/>
+                          <a:latin typeface="+mn-ea"/>
+                          <a:ea typeface="+mn-ea"/>
+                        </a:rPr>
+                        <a:t>7311</a:t>
+                      </a:r>
                     </a:p>
                   </a:txBody>
-                  <a:tcPr anchor="ctr" anchorCtr="1"/>
+                  <a:tcPr marL="9525" marR="9525" marT="9525" marB="0" anchor="ctr"/>
                 </a:tc>
                 <a:tc>
                   <a:txBody>
                     <a:bodyPr/>
                     <a:lstStyle/>
                     <a:p>
-                      <a:endParaRPr lang="zh-CN" altLang="en-US">
-                        <a:latin typeface="仿宋_GB2312" panose="02010609030101010101" pitchFamily="49" charset="-122"/>
-                        <a:ea typeface="仿宋_GB2312" panose="02010609030101010101" pitchFamily="49" charset="-122"/>
-                      </a:endParaRPr>
+                      <a:pPr algn="ctr" fontAlgn="ctr"/>
+                      <a:r>
+                        <a:rPr lang="en-US" altLang="zh-CN" sz="1800" b="0" i="0" u="none" strike="noStrike" kern="1200" dirty="0">
+                          <a:solidFill>
+                            <a:srgbClr val="000000"/>
+                          </a:solidFill>
+                          <a:effectLst/>
+                          <a:latin typeface="+mn-ea"/>
+                          <a:ea typeface="+mn-ea"/>
+                          <a:cs typeface="+mn-cs"/>
+                        </a:rPr>
+                        <a:t>9317</a:t>
+                      </a:r>
                     </a:p>
                   </a:txBody>
-                  <a:tcPr anchor="ctr" anchorCtr="1"/>
+                  <a:tcPr marL="9525" marR="9525" marT="9525" marB="0" anchor="ctr"/>
                 </a:tc>
                 <a:tc>
                   <a:txBody>
                     <a:bodyPr/>
                     <a:lstStyle/>
                     <a:p>
-                      <a:endParaRPr lang="zh-CN" altLang="en-US">
-                        <a:latin typeface="仿宋_GB2312" panose="02010609030101010101" pitchFamily="49" charset="-122"/>
-                        <a:ea typeface="仿宋_GB2312" panose="02010609030101010101" pitchFamily="49" charset="-122"/>
-                      </a:endParaRPr>
+                      <a:pPr algn="ctr" fontAlgn="ctr"/>
+                      <a:r>
+                        <a:rPr lang="en-US" altLang="zh-CN" sz="1800" b="0" i="0" u="none" strike="noStrike" kern="1200" dirty="0">
+                          <a:solidFill>
+                            <a:srgbClr val="000000"/>
+                          </a:solidFill>
+                          <a:effectLst/>
+                          <a:latin typeface="+mn-ea"/>
+                          <a:ea typeface="+mn-ea"/>
+                          <a:cs typeface="+mn-cs"/>
+                        </a:rPr>
+                        <a:t>2006</a:t>
+                      </a:r>
                     </a:p>
                   </a:txBody>
-                  <a:tcPr anchor="ctr" anchorCtr="1"/>
+                  <a:tcPr marL="9525" marR="9525" marT="9525" marB="0" anchor="ctr"/>
                 </a:tc>
                 <a:extLst>
                   <a:ext uri="{0D108BD9-81ED-4DB2-BD59-A6C34878D82A}">
@@ -13615,39 +14804,65 @@
                     <a:bodyPr/>
                     <a:lstStyle/>
                     <a:p>
-                      <a:endParaRPr lang="zh-CN" altLang="en-US" dirty="0">
-                        <a:latin typeface="仿宋_GB2312" panose="02010609030101010101" pitchFamily="49" charset="-122"/>
-                        <a:ea typeface="仿宋_GB2312" panose="02010609030101010101" pitchFamily="49" charset="-122"/>
-                      </a:endParaRPr>
+                      <a:pPr algn="ctr" fontAlgn="ctr"/>
+                      <a:r>
+                        <a:rPr lang="en-US" altLang="zh-CN" sz="1800" b="0" i="0" u="none" strike="noStrike">
+                          <a:solidFill>
+                            <a:srgbClr val="000000"/>
+                          </a:solidFill>
+                          <a:effectLst/>
+                          <a:latin typeface="+mn-ea"/>
+                          <a:ea typeface="+mn-ea"/>
+                        </a:rPr>
+                        <a:t>11563</a:t>
+                      </a:r>
                     </a:p>
                   </a:txBody>
-                  <a:tcPr anchor="ctr" anchorCtr="1"/>
+                  <a:tcPr marL="9525" marR="9525" marT="9525" marB="0" anchor="ctr"/>
                 </a:tc>
                 <a:tc>
                   <a:txBody>
                     <a:bodyPr/>
                     <a:lstStyle/>
                     <a:p>
-                      <a:endParaRPr lang="zh-CN" altLang="en-US" dirty="0">
-                        <a:latin typeface="仿宋_GB2312" panose="02010609030101010101" pitchFamily="49" charset="-122"/>
-                        <a:ea typeface="仿宋_GB2312" panose="02010609030101010101" pitchFamily="49" charset="-122"/>
-                      </a:endParaRPr>
+                      <a:pPr algn="ctr" fontAlgn="ctr"/>
+                      <a:r>
+                        <a:rPr lang="en-US" altLang="zh-CN" sz="1800" b="0" i="0" u="none" strike="noStrike" kern="1200" dirty="0">
+                          <a:solidFill>
+                            <a:srgbClr val="000000"/>
+                          </a:solidFill>
+                          <a:effectLst/>
+                          <a:latin typeface="+mn-ea"/>
+                          <a:ea typeface="+mn-ea"/>
+                          <a:cs typeface="+mn-cs"/>
+                        </a:rPr>
+                        <a:t>15408</a:t>
+                      </a:r>
                     </a:p>
                   </a:txBody>
-                  <a:tcPr anchor="ctr" anchorCtr="1"/>
+                  <a:tcPr marL="9525" marR="9525" marT="9525" marB="0" anchor="ctr"/>
                 </a:tc>
                 <a:tc>
                   <a:txBody>
                     <a:bodyPr/>
                     <a:lstStyle/>
                     <a:p>
-                      <a:endParaRPr lang="zh-CN" altLang="en-US">
-                        <a:latin typeface="仿宋_GB2312" panose="02010609030101010101" pitchFamily="49" charset="-122"/>
-                        <a:ea typeface="仿宋_GB2312" panose="02010609030101010101" pitchFamily="49" charset="-122"/>
-                      </a:endParaRPr>
+                      <a:pPr algn="ctr" fontAlgn="ctr"/>
+                      <a:r>
+                        <a:rPr lang="en-US" altLang="zh-CN" sz="1800" b="0" i="0" u="none" strike="noStrike" kern="1200" dirty="0">
+                          <a:solidFill>
+                            <a:srgbClr val="000000"/>
+                          </a:solidFill>
+                          <a:effectLst/>
+                          <a:latin typeface="+mn-ea"/>
+                          <a:ea typeface="+mn-ea"/>
+                          <a:cs typeface="+mn-cs"/>
+                        </a:rPr>
+                        <a:t>3845</a:t>
+                      </a:r>
                     </a:p>
                   </a:txBody>
-                  <a:tcPr anchor="ctr" anchorCtr="1"/>
+                  <a:tcPr marL="9525" marR="9525" marT="9525" marB="0" anchor="ctr"/>
                 </a:tc>
                 <a:extLst>
                   <a:ext uri="{0D108BD9-81ED-4DB2-BD59-A6C34878D82A}">
@@ -13681,39 +14896,82 @@
                     <a:bodyPr/>
                     <a:lstStyle/>
                     <a:p>
-                      <a:endParaRPr lang="zh-CN" altLang="en-US" dirty="0">
-                        <a:latin typeface="仿宋_GB2312" panose="02010609030101010101" pitchFamily="49" charset="-122"/>
-                        <a:ea typeface="仿宋_GB2312" panose="02010609030101010101" pitchFamily="49" charset="-122"/>
+                      <a:pPr algn="ctr" fontAlgn="ctr"/>
+                      <a:r>
+                        <a:rPr lang="en-US" altLang="zh-CN" sz="1800" b="0" i="0" u="none" strike="noStrike" dirty="0" smtClean="0">
+                          <a:solidFill>
+                            <a:srgbClr val="000000"/>
+                          </a:solidFill>
+                          <a:effectLst/>
+                          <a:latin typeface="+mn-ea"/>
+                          <a:ea typeface="+mn-ea"/>
+                        </a:rPr>
+                        <a:t>11649</a:t>
+                      </a:r>
+                      <a:endParaRPr lang="en-US" altLang="zh-CN" sz="1800" b="0" i="0" u="none" strike="noStrike" dirty="0">
+                        <a:solidFill>
+                          <a:srgbClr val="000000"/>
+                        </a:solidFill>
+                        <a:effectLst/>
+                        <a:latin typeface="+mn-ea"/>
+                        <a:ea typeface="+mn-ea"/>
                       </a:endParaRPr>
                     </a:p>
                   </a:txBody>
-                  <a:tcPr anchor="ctr" anchorCtr="1"/>
+                  <a:tcPr marL="9525" marR="9525" marT="9525" marB="0" anchor="ctr"/>
                 </a:tc>
                 <a:tc>
                   <a:txBody>
                     <a:bodyPr/>
                     <a:lstStyle/>
                     <a:p>
-                      <a:endParaRPr lang="zh-CN" altLang="en-US" dirty="0">
-                        <a:latin typeface="仿宋_GB2312" panose="02010609030101010101" pitchFamily="49" charset="-122"/>
-                        <a:ea typeface="仿宋_GB2312" panose="02010609030101010101" pitchFamily="49" charset="-122"/>
-                      </a:endParaRPr>
+                      <a:pPr algn="ctr" fontAlgn="ctr"/>
+                      <a:r>
+                        <a:rPr lang="en-US" altLang="zh-CN" sz="1800" b="0" i="0" u="none" strike="noStrike" kern="1200" dirty="0">
+                          <a:solidFill>
+                            <a:srgbClr val="000000"/>
+                          </a:solidFill>
+                          <a:effectLst/>
+                          <a:latin typeface="+mn-ea"/>
+                          <a:ea typeface="+mn-ea"/>
+                          <a:cs typeface="+mn-cs"/>
+                        </a:rPr>
+                        <a:t>11929</a:t>
+                      </a:r>
                     </a:p>
                   </a:txBody>
-                  <a:tcPr anchor="ctr" anchorCtr="1"/>
+                  <a:tcPr marL="9525" marR="9525" marT="9525" marB="0" anchor="ctr"/>
                 </a:tc>
                 <a:tc>
                   <a:txBody>
                     <a:bodyPr/>
                     <a:lstStyle/>
                     <a:p>
-                      <a:endParaRPr lang="zh-CN" altLang="en-US" dirty="0">
-                        <a:latin typeface="仿宋_GB2312" panose="02010609030101010101" pitchFamily="49" charset="-122"/>
-                        <a:ea typeface="仿宋_GB2312" panose="02010609030101010101" pitchFamily="49" charset="-122"/>
+                      <a:pPr algn="ctr" fontAlgn="ctr"/>
+                      <a:r>
+                        <a:rPr lang="en-US" altLang="zh-CN" sz="1800" b="0" i="0" u="none" strike="noStrike" kern="1200" dirty="0" smtClean="0">
+                          <a:solidFill>
+                            <a:srgbClr val="000000"/>
+                          </a:solidFill>
+                          <a:effectLst/>
+                          <a:latin typeface="+mn-ea"/>
+                          <a:ea typeface="+mn-ea"/>
+                          <a:cs typeface="+mn-cs"/>
+                        </a:rPr>
+                        <a:t>280</a:t>
+                      </a:r>
+                      <a:endParaRPr lang="en-US" altLang="zh-CN" sz="1800" b="0" i="0" u="none" strike="noStrike" kern="1200" dirty="0">
+                        <a:solidFill>
+                          <a:srgbClr val="000000"/>
+                        </a:solidFill>
+                        <a:effectLst/>
+                        <a:latin typeface="+mn-ea"/>
+                        <a:ea typeface="+mn-ea"/>
+                        <a:cs typeface="+mn-cs"/>
                       </a:endParaRPr>
                     </a:p>
                   </a:txBody>
-                  <a:tcPr anchor="ctr" anchorCtr="1"/>
+                  <a:tcPr marL="9525" marR="9525" marT="9525" marB="0" anchor="ctr"/>
                 </a:tc>
                 <a:extLst>
                   <a:ext uri="{0D108BD9-81ED-4DB2-BD59-A6C34878D82A}">
@@ -13722,6 +14980,30 @@
                 </a:extLst>
               </a:tr>
             </a:tbl>
+          </a:graphicData>
+        </a:graphic>
+      </p:graphicFrame>
+      <p:graphicFrame>
+        <p:nvGraphicFramePr>
+          <p:cNvPr id="5" name="图表 4"/>
+          <p:cNvGraphicFramePr>
+            <a:graphicFrameLocks/>
+          </p:cNvGraphicFramePr>
+          <p:nvPr>
+            <p:extLst>
+              <p:ext uri="{D42A27DB-BD31-4B8C-83A1-F6EECF244321}">
+                <p14:modId xmlns:p14="http://schemas.microsoft.com/office/powerpoint/2010/main" val="4109987262"/>
+              </p:ext>
+            </p:extLst>
+          </p:nvPr>
+        </p:nvGraphicFramePr>
+        <p:xfrm>
+          <a:off x="6126480" y="2319141"/>
+          <a:ext cx="5608321" cy="3436500"/>
+        </p:xfrm>
+        <a:graphic>
+          <a:graphicData uri="http://schemas.openxmlformats.org/drawingml/2006/chart">
+            <c:chart xmlns:c="http://schemas.openxmlformats.org/drawingml/2006/chart" xmlns:r="http://schemas.openxmlformats.org/officeDocument/2006/relationships" r:id="rId2"/>
           </a:graphicData>
         </a:graphic>
       </p:graphicFrame>
